--- a/Tutorial/PowerPoint Versions/Git and using GitHub.pptx
+++ b/Tutorial/PowerPoint Versions/Git and using GitHub.pptx
@@ -27,6 +27,7 @@
     <p:sldId id="275" r:id="rId21"/>
     <p:sldId id="277" r:id="rId22"/>
     <p:sldId id="276" r:id="rId23"/>
+    <p:sldId id="278" r:id="rId24"/>
   </p:sldIdLst>
   <p:sldSz cx="9144000" cy="6858000" type="screen4x3"/>
   <p:notesSz cx="6858000" cy="9144000"/>
@@ -152,6 +153,7 @@
             <p14:sldId id="275"/>
             <p14:sldId id="277"/>
             <p14:sldId id="276"/>
+            <p14:sldId id="278"/>
           </p14:sldIdLst>
         </p14:section>
       </p14:sectionLst>
@@ -341,7 +343,7 @@
           <a:p>
             <a:fld id="{4F5AAAEB-DBEA-47A2-9756-A607CBF09882}" type="datetimeFigureOut">
               <a:rPr lang="en-US" smtClean="0"/>
-              <a:t>9/18/2016</a:t>
+              <a:t>10/15/2016</a:t>
             </a:fld>
             <a:endParaRPr lang="en-US"/>
           </a:p>
@@ -511,7 +513,7 @@
           <a:p>
             <a:fld id="{4F5AAAEB-DBEA-47A2-9756-A607CBF09882}" type="datetimeFigureOut">
               <a:rPr lang="en-US" smtClean="0"/>
-              <a:t>9/18/2016</a:t>
+              <a:t>10/15/2016</a:t>
             </a:fld>
             <a:endParaRPr lang="en-US"/>
           </a:p>
@@ -691,7 +693,7 @@
           <a:p>
             <a:fld id="{4F5AAAEB-DBEA-47A2-9756-A607CBF09882}" type="datetimeFigureOut">
               <a:rPr lang="en-US" smtClean="0"/>
-              <a:t>9/18/2016</a:t>
+              <a:t>10/15/2016</a:t>
             </a:fld>
             <a:endParaRPr lang="en-US"/>
           </a:p>
@@ -861,7 +863,7 @@
           <a:p>
             <a:fld id="{4F5AAAEB-DBEA-47A2-9756-A607CBF09882}" type="datetimeFigureOut">
               <a:rPr lang="en-US" smtClean="0"/>
-              <a:t>9/18/2016</a:t>
+              <a:t>10/15/2016</a:t>
             </a:fld>
             <a:endParaRPr lang="en-US"/>
           </a:p>
@@ -1107,7 +1109,7 @@
           <a:p>
             <a:fld id="{4F5AAAEB-DBEA-47A2-9756-A607CBF09882}" type="datetimeFigureOut">
               <a:rPr lang="en-US" smtClean="0"/>
-              <a:t>9/18/2016</a:t>
+              <a:t>10/15/2016</a:t>
             </a:fld>
             <a:endParaRPr lang="en-US"/>
           </a:p>
@@ -1395,7 +1397,7 @@
           <a:p>
             <a:fld id="{4F5AAAEB-DBEA-47A2-9756-A607CBF09882}" type="datetimeFigureOut">
               <a:rPr lang="en-US" smtClean="0"/>
-              <a:t>9/18/2016</a:t>
+              <a:t>10/15/2016</a:t>
             </a:fld>
             <a:endParaRPr lang="en-US"/>
           </a:p>
@@ -1817,7 +1819,7 @@
           <a:p>
             <a:fld id="{4F5AAAEB-DBEA-47A2-9756-A607CBF09882}" type="datetimeFigureOut">
               <a:rPr lang="en-US" smtClean="0"/>
-              <a:t>9/18/2016</a:t>
+              <a:t>10/15/2016</a:t>
             </a:fld>
             <a:endParaRPr lang="en-US"/>
           </a:p>
@@ -1935,7 +1937,7 @@
           <a:p>
             <a:fld id="{4F5AAAEB-DBEA-47A2-9756-A607CBF09882}" type="datetimeFigureOut">
               <a:rPr lang="en-US" smtClean="0"/>
-              <a:t>9/18/2016</a:t>
+              <a:t>10/15/2016</a:t>
             </a:fld>
             <a:endParaRPr lang="en-US"/>
           </a:p>
@@ -2030,7 +2032,7 @@
           <a:p>
             <a:fld id="{4F5AAAEB-DBEA-47A2-9756-A607CBF09882}" type="datetimeFigureOut">
               <a:rPr lang="en-US" smtClean="0"/>
-              <a:t>9/18/2016</a:t>
+              <a:t>10/15/2016</a:t>
             </a:fld>
             <a:endParaRPr lang="en-US"/>
           </a:p>
@@ -2307,7 +2309,7 @@
           <a:p>
             <a:fld id="{4F5AAAEB-DBEA-47A2-9756-A607CBF09882}" type="datetimeFigureOut">
               <a:rPr lang="en-US" smtClean="0"/>
-              <a:t>9/18/2016</a:t>
+              <a:t>10/15/2016</a:t>
             </a:fld>
             <a:endParaRPr lang="en-US"/>
           </a:p>
@@ -2560,7 +2562,7 @@
           <a:p>
             <a:fld id="{4F5AAAEB-DBEA-47A2-9756-A607CBF09882}" type="datetimeFigureOut">
               <a:rPr lang="en-US" smtClean="0"/>
-              <a:t>9/18/2016</a:t>
+              <a:t>10/15/2016</a:t>
             </a:fld>
             <a:endParaRPr lang="en-US"/>
           </a:p>
@@ -2773,7 +2775,7 @@
           <a:p>
             <a:fld id="{4F5AAAEB-DBEA-47A2-9756-A607CBF09882}" type="datetimeFigureOut">
               <a:rPr lang="en-US" smtClean="0"/>
-              <a:t>9/18/2016</a:t>
+              <a:t>10/15/2016</a:t>
             </a:fld>
             <a:endParaRPr lang="en-US"/>
           </a:p>
@@ -3422,13 +3424,7 @@
               <a:rPr lang="en-US" sz="2200" dirty="0" smtClean="0">
                 <a:hlinkClick r:id="rId3"/>
               </a:rPr>
-              <a:t>https://</a:t>
-            </a:r>
-            <a:r>
-              <a:rPr lang="en-US" sz="2200" dirty="0" smtClean="0">
-                <a:hlinkClick r:id="rId3"/>
-              </a:rPr>
-              <a:t>github.com/sjfricke/IEEE_RaspberryPi_Socket_Pokemon</a:t>
+              <a:t>https://github.com/sjfricke/IEEE_RaspberryPi_Socket_Pokemon</a:t>
             </a:r>
             <a:endParaRPr lang="en-US" sz="2200" dirty="0" smtClean="0"/>
           </a:p>
@@ -5239,8 +5235,41 @@
           <a:p>
             <a:r>
               <a:rPr lang="en-US" dirty="0" smtClean="0"/>
-              <a:t>Get Repository or Sync it</a:t>
-            </a:r>
+              <a:t>Get Repository </a:t>
+            </a:r>
+            <a:r>
+              <a:rPr lang="en-US" dirty="0" smtClean="0"/>
+              <a:t>(</a:t>
+            </a:r>
+            <a:r>
+              <a:rPr lang="en-US" b="1" dirty="0" smtClean="0"/>
+              <a:t>Clone</a:t>
+            </a:r>
+            <a:r>
+              <a:rPr lang="en-US" dirty="0" smtClean="0"/>
+              <a:t>)</a:t>
+            </a:r>
+            <a:r>
+              <a:rPr lang="en-US" b="1" dirty="0" smtClean="0"/>
+              <a:t> </a:t>
+            </a:r>
+            <a:r>
+              <a:rPr lang="en-US" dirty="0" smtClean="0"/>
+              <a:t>or </a:t>
+            </a:r>
+            <a:r>
+              <a:rPr lang="en-US" dirty="0" smtClean="0"/>
+              <a:t>Sync </a:t>
+            </a:r>
+            <a:r>
+              <a:rPr lang="en-US" dirty="0" smtClean="0"/>
+              <a:t>it </a:t>
+            </a:r>
+            <a:r>
+              <a:rPr lang="en-US" b="1" dirty="0" smtClean="0"/>
+              <a:t>(Fetch)</a:t>
+            </a:r>
+            <a:endParaRPr lang="en-US" b="1" dirty="0" smtClean="0"/>
           </a:p>
           <a:p>
             <a:r>
@@ -5259,8 +5288,13 @@
           <a:p>
             <a:r>
               <a:rPr lang="en-US" dirty="0" smtClean="0"/>
-              <a:t>Make changes</a:t>
-            </a:r>
+              <a:t>Make </a:t>
+            </a:r>
+            <a:r>
+              <a:rPr lang="en-US" dirty="0" smtClean="0"/>
+              <a:t>your changes</a:t>
+            </a:r>
+            <a:endParaRPr lang="en-US" dirty="0" smtClean="0"/>
           </a:p>
           <a:p>
             <a:r>
@@ -5285,7 +5319,15 @@
           <a:p>
             <a:r>
               <a:rPr lang="en-US" dirty="0" smtClean="0"/>
-              <a:t>When ready, Sync or send Pull Request</a:t>
+              <a:t>When ready, Sync or send </a:t>
+            </a:r>
+            <a:r>
+              <a:rPr lang="en-US" dirty="0" smtClean="0"/>
+              <a:t>a Pull </a:t>
+            </a:r>
+            <a:r>
+              <a:rPr lang="en-US" dirty="0" smtClean="0"/>
+              <a:t>Request</a:t>
             </a:r>
           </a:p>
           <a:p>
@@ -5303,6 +5345,148 @@
     <p:extLst>
       <p:ext uri="{BB962C8B-B14F-4D97-AF65-F5344CB8AC3E}">
         <p14:creationId xmlns:p14="http://schemas.microsoft.com/office/powerpoint/2010/main" val="1450128929"/>
+      </p:ext>
+    </p:extLst>
+  </p:cSld>
+  <p:clrMapOvr>
+    <a:masterClrMapping/>
+  </p:clrMapOvr>
+</p:sld>
+</file>
+
+<file path=ppt/slides/slide23.xml><?xml version="1.0" encoding="utf-8"?>
+<p:sld xmlns:a="http://schemas.openxmlformats.org/drawingml/2006/main" xmlns:r="http://schemas.openxmlformats.org/officeDocument/2006/relationships" xmlns:p="http://schemas.openxmlformats.org/presentationml/2006/main">
+  <p:cSld>
+    <p:spTree>
+      <p:nvGrpSpPr>
+        <p:cNvPr id="1" name=""/>
+        <p:cNvGrpSpPr/>
+        <p:nvPr/>
+      </p:nvGrpSpPr>
+      <p:grpSpPr>
+        <a:xfrm>
+          <a:off x="0" y="0"/>
+          <a:ext cx="0" cy="0"/>
+          <a:chOff x="0" y="0"/>
+          <a:chExt cx="0" cy="0"/>
+        </a:xfrm>
+      </p:grpSpPr>
+      <p:sp>
+        <p:nvSpPr>
+          <p:cNvPr id="2" name="Title 1"/>
+          <p:cNvSpPr>
+            <a:spLocks noGrp="1"/>
+          </p:cNvSpPr>
+          <p:nvPr>
+            <p:ph type="title"/>
+          </p:nvPr>
+        </p:nvSpPr>
+        <p:spPr/>
+        <p:txBody>
+          <a:bodyPr/>
+          <a:lstStyle/>
+          <a:p>
+            <a:r>
+              <a:rPr lang="en-US" dirty="0" smtClean="0"/>
+              <a:t>Best Practice</a:t>
+            </a:r>
+            <a:endParaRPr lang="en-US" dirty="0"/>
+          </a:p>
+        </p:txBody>
+      </p:sp>
+      <p:sp>
+        <p:nvSpPr>
+          <p:cNvPr id="3" name="Content Placeholder 2"/>
+          <p:cNvSpPr>
+            <a:spLocks noGrp="1"/>
+          </p:cNvSpPr>
+          <p:nvPr>
+            <p:ph idx="1"/>
+          </p:nvPr>
+        </p:nvSpPr>
+        <p:spPr/>
+        <p:txBody>
+          <a:bodyPr/>
+          <a:lstStyle/>
+          <a:p>
+            <a:r>
+              <a:rPr lang="en-US" dirty="0" smtClean="0"/>
+              <a:t>These are the best two sites to practice with</a:t>
+            </a:r>
+          </a:p>
+          <a:p>
+            <a:pPr lvl="1"/>
+            <a:r>
+              <a:rPr lang="en-US" dirty="0">
+                <a:hlinkClick r:id="rId2"/>
+              </a:rPr>
+              <a:t>https://</a:t>
+            </a:r>
+            <a:r>
+              <a:rPr lang="en-US" dirty="0" smtClean="0">
+                <a:hlinkClick r:id="rId2"/>
+              </a:rPr>
+              <a:t>try.github.io/levels/1/challenges/1</a:t>
+            </a:r>
+            <a:endParaRPr lang="en-US" dirty="0" smtClean="0"/>
+          </a:p>
+          <a:p>
+            <a:pPr lvl="1"/>
+            <a:r>
+              <a:rPr lang="en-US" dirty="0">
+                <a:hlinkClick r:id="rId3"/>
+              </a:rPr>
+              <a:t>http://learngitbranching.js.org</a:t>
+            </a:r>
+            <a:r>
+              <a:rPr lang="en-US" dirty="0" smtClean="0">
+                <a:hlinkClick r:id="rId3"/>
+              </a:rPr>
+              <a:t>/</a:t>
+            </a:r>
+            <a:endParaRPr lang="en-US" dirty="0" smtClean="0"/>
+          </a:p>
+          <a:p>
+            <a:pPr lvl="1"/>
+            <a:endParaRPr lang="en-US" dirty="0" smtClean="0"/>
+          </a:p>
+          <a:p>
+            <a:r>
+              <a:rPr lang="en-US" smtClean="0"/>
+              <a:t>Here is a repo you can mess with</a:t>
+            </a:r>
+            <a:endParaRPr lang="en-US" dirty="0"/>
+          </a:p>
+          <a:p>
+            <a:pPr marL="457200" lvl="1" indent="0">
+              <a:buNone/>
+            </a:pPr>
+            <a:r>
+              <a:rPr lang="en-US" dirty="0">
+                <a:hlinkClick r:id="rId4"/>
+              </a:rPr>
+              <a:t>https://</a:t>
+            </a:r>
+            <a:r>
+              <a:rPr lang="en-US" dirty="0" smtClean="0">
+                <a:hlinkClick r:id="rId4"/>
+              </a:rPr>
+              <a:t>github.com/sjfricke/IEEE_Practice_Git</a:t>
+            </a:r>
+            <a:endParaRPr lang="en-US" dirty="0" smtClean="0"/>
+          </a:p>
+          <a:p>
+            <a:pPr marL="457200" lvl="1" indent="0">
+              <a:buNone/>
+            </a:pPr>
+            <a:endParaRPr lang="en-US" dirty="0"/>
+          </a:p>
+        </p:txBody>
+      </p:sp>
+    </p:spTree>
+    <p:extLst>
+      <p:ext uri="{BB962C8B-B14F-4D97-AF65-F5344CB8AC3E}">
+        <p14:creationId xmlns:p14="http://schemas.microsoft.com/office/powerpoint/2010/main" val="3156236277"/>
       </p:ext>
     </p:extLst>
   </p:cSld>
@@ -6053,41 +6237,69 @@
             </a:r>
             <a:r>
               <a:rPr lang="en-US" b="1" dirty="0" smtClean="0"/>
+              <a:t>Fetch</a:t>
+            </a:r>
+            <a:r>
+              <a:rPr lang="en-US" dirty="0" smtClean="0"/>
+              <a:t> </a:t>
+            </a:r>
+            <a:r>
+              <a:rPr lang="en-US" dirty="0" smtClean="0"/>
+              <a:t>the latest version to sync up with it</a:t>
+            </a:r>
+          </a:p>
+          <a:p>
+            <a:r>
+              <a:rPr lang="en-US" dirty="0" smtClean="0"/>
+              <a:t>Make your edits</a:t>
+            </a:r>
+          </a:p>
+          <a:p>
+            <a:r>
+              <a:rPr lang="en-US" b="1" dirty="0" smtClean="0"/>
+              <a:t>Stage</a:t>
+            </a:r>
+            <a:r>
+              <a:rPr lang="en-US" dirty="0" smtClean="0"/>
+              <a:t> your changes</a:t>
+            </a:r>
+          </a:p>
+          <a:p>
+            <a:r>
+              <a:rPr lang="en-US" b="1" dirty="0" smtClean="0"/>
+              <a:t>Commit</a:t>
+            </a:r>
+            <a:r>
+              <a:rPr lang="en-US" dirty="0" smtClean="0"/>
+              <a:t> your work</a:t>
+            </a:r>
+          </a:p>
+          <a:p>
+            <a:r>
+              <a:rPr lang="en-US" b="1" dirty="0" smtClean="0"/>
+              <a:t>Push</a:t>
+            </a:r>
+            <a:r>
+              <a:rPr lang="en-US" dirty="0" smtClean="0"/>
+              <a:t> to remote location so combine</a:t>
+            </a:r>
+          </a:p>
+          <a:p>
+            <a:r>
+              <a:rPr lang="en-US" dirty="0" smtClean="0"/>
+              <a:t>Wait for other people to pull their weight and add code to the </a:t>
+            </a:r>
+            <a:r>
+              <a:rPr lang="en-US" dirty="0" smtClean="0"/>
+              <a:t>repo, then </a:t>
+            </a:r>
+            <a:r>
+              <a:rPr lang="en-US" b="1" dirty="0" smtClean="0"/>
               <a:t>Pull</a:t>
             </a:r>
             <a:r>
               <a:rPr lang="en-US" dirty="0" smtClean="0"/>
-              <a:t> the latest version to sync up with it</a:t>
-            </a:r>
-          </a:p>
-          <a:p>
-            <a:r>
-              <a:rPr lang="en-US" dirty="0" smtClean="0"/>
-              <a:t>Make your edits</a:t>
-            </a:r>
-          </a:p>
-          <a:p>
-            <a:r>
-              <a:rPr lang="en-US" dirty="0" smtClean="0"/>
-              <a:t>Stage your changes</a:t>
-            </a:r>
-          </a:p>
-          <a:p>
-            <a:r>
-              <a:rPr lang="en-US" dirty="0" smtClean="0"/>
-              <a:t>Commit your work</a:t>
-            </a:r>
-          </a:p>
-          <a:p>
-            <a:r>
-              <a:rPr lang="en-US" dirty="0" smtClean="0"/>
-              <a:t>Push to remote location so combine</a:t>
-            </a:r>
-          </a:p>
-          <a:p>
-            <a:r>
-              <a:rPr lang="en-US" dirty="0" smtClean="0"/>
-              <a:t>Wait for other people to pull their weight and add code to the repo</a:t>
+              <a:t> it</a:t>
             </a:r>
             <a:endParaRPr lang="en-US" dirty="0"/>
           </a:p>
@@ -6327,15 +6539,7 @@
           <a:p>
             <a:r>
               <a:rPr lang="en-US" dirty="0" smtClean="0"/>
-              <a:t>The “Magical” part of using </a:t>
-            </a:r>
-            <a:r>
-              <a:rPr lang="en-US" dirty="0" err="1" smtClean="0"/>
-              <a:t>Git</a:t>
-            </a:r>
-            <a:r>
-              <a:rPr lang="en-US" dirty="0" smtClean="0"/>
-              <a:t> is whenever you </a:t>
+              <a:t>The “Magical” part of using Git is whenever you </a:t>
             </a:r>
             <a:r>
               <a:rPr lang="en-US" b="1" dirty="0" smtClean="0"/>
@@ -6351,7 +6555,19 @@
             </a:r>
             <a:r>
               <a:rPr lang="en-US" dirty="0" smtClean="0"/>
-              <a:t>, or go back to an old </a:t>
+              <a:t>, or </a:t>
+            </a:r>
+            <a:r>
+              <a:rPr lang="en-US" b="1" dirty="0" smtClean="0"/>
+              <a:t>Revert</a:t>
+            </a:r>
+            <a:r>
+              <a:rPr lang="en-US" dirty="0" smtClean="0"/>
+              <a:t> </a:t>
+            </a:r>
+            <a:r>
+              <a:rPr lang="en-US" dirty="0" smtClean="0"/>
+              <a:t>to an old </a:t>
             </a:r>
             <a:r>
               <a:rPr lang="en-US" b="1" dirty="0" smtClean="0"/>

--- a/Tutorial/PowerPoint Versions/Git and using GitHub.pptx
+++ b/Tutorial/PowerPoint Versions/Git and using GitHub.pptx
@@ -158,6 +158,20 @@
         </p14:section>
       </p14:sectionLst>
     </p:ext>
+    <p:ext uri="{EFAFB233-063F-42B5-8137-9DF3F51BA10A}">
+      <p15:sldGuideLst xmlns:p15="http://schemas.microsoft.com/office/powerpoint/2012/main">
+        <p15:guide id="1" orient="horz" pos="2160">
+          <p15:clr>
+            <a:srgbClr val="A4A3A4"/>
+          </p15:clr>
+        </p15:guide>
+        <p15:guide id="2" pos="2880">
+          <p15:clr>
+            <a:srgbClr val="A4A3A4"/>
+          </p15:clr>
+        </p15:guide>
+      </p15:sldGuideLst>
+    </p:ext>
   </p:extLst>
 </p:presentation>
 </file>
@@ -200,10 +214,9 @@
           <a:lstStyle/>
           <a:p>
             <a:r>
-              <a:rPr lang="en-US" smtClean="0"/>
+              <a:rPr lang="en-US"/>
               <a:t>Click to edit Master title style</a:t>
             </a:r>
-            <a:endParaRPr lang="en-US"/>
           </a:p>
         </p:txBody>
       </p:sp>
@@ -319,10 +332,9 @@
           </a:lstStyle>
           <a:p>
             <a:r>
-              <a:rPr lang="en-US" smtClean="0"/>
+              <a:rPr lang="en-US"/>
               <a:t>Click to edit Master subtitle style</a:t>
             </a:r>
-            <a:endParaRPr lang="en-US"/>
           </a:p>
         </p:txBody>
       </p:sp>
@@ -343,7 +355,7 @@
           <a:p>
             <a:fld id="{4F5AAAEB-DBEA-47A2-9756-A607CBF09882}" type="datetimeFigureOut">
               <a:rPr lang="en-US" smtClean="0"/>
-              <a:t>10/15/2016</a:t>
+              <a:t>10/17/2016</a:t>
             </a:fld>
             <a:endParaRPr lang="en-US"/>
           </a:p>
@@ -437,10 +449,9 @@
           <a:lstStyle/>
           <a:p>
             <a:r>
-              <a:rPr lang="en-US" smtClean="0"/>
+              <a:rPr lang="en-US"/>
               <a:t>Click to edit Master title style</a:t>
             </a:r>
-            <a:endParaRPr lang="en-US"/>
           </a:p>
         </p:txBody>
       </p:sp>
@@ -461,38 +472,37 @@
           <a:p>
             <a:pPr lvl="0"/>
             <a:r>
-              <a:rPr lang="en-US" smtClean="0"/>
+              <a:rPr lang="en-US"/>
               <a:t>Click to edit Master text styles</a:t>
             </a:r>
           </a:p>
           <a:p>
             <a:pPr lvl="1"/>
             <a:r>
-              <a:rPr lang="en-US" smtClean="0"/>
+              <a:rPr lang="en-US"/>
               <a:t>Second level</a:t>
             </a:r>
           </a:p>
           <a:p>
             <a:pPr lvl="2"/>
             <a:r>
-              <a:rPr lang="en-US" smtClean="0"/>
+              <a:rPr lang="en-US"/>
               <a:t>Third level</a:t>
             </a:r>
           </a:p>
           <a:p>
             <a:pPr lvl="3"/>
             <a:r>
-              <a:rPr lang="en-US" smtClean="0"/>
+              <a:rPr lang="en-US"/>
               <a:t>Fourth level</a:t>
             </a:r>
           </a:p>
           <a:p>
             <a:pPr lvl="4"/>
             <a:r>
-              <a:rPr lang="en-US" smtClean="0"/>
+              <a:rPr lang="en-US"/>
               <a:t>Fifth level</a:t>
             </a:r>
-            <a:endParaRPr lang="en-US"/>
           </a:p>
         </p:txBody>
       </p:sp>
@@ -513,7 +523,7 @@
           <a:p>
             <a:fld id="{4F5AAAEB-DBEA-47A2-9756-A607CBF09882}" type="datetimeFigureOut">
               <a:rPr lang="en-US" smtClean="0"/>
-              <a:t>10/15/2016</a:t>
+              <a:t>10/17/2016</a:t>
             </a:fld>
             <a:endParaRPr lang="en-US"/>
           </a:p>
@@ -612,10 +622,9 @@
           <a:lstStyle/>
           <a:p>
             <a:r>
-              <a:rPr lang="en-US" smtClean="0"/>
+              <a:rPr lang="en-US"/>
               <a:t>Click to edit Master title style</a:t>
             </a:r>
-            <a:endParaRPr lang="en-US"/>
           </a:p>
         </p:txBody>
       </p:sp>
@@ -641,38 +650,37 @@
           <a:p>
             <a:pPr lvl="0"/>
             <a:r>
-              <a:rPr lang="en-US" smtClean="0"/>
+              <a:rPr lang="en-US"/>
               <a:t>Click to edit Master text styles</a:t>
             </a:r>
           </a:p>
           <a:p>
             <a:pPr lvl="1"/>
             <a:r>
-              <a:rPr lang="en-US" smtClean="0"/>
+              <a:rPr lang="en-US"/>
               <a:t>Second level</a:t>
             </a:r>
           </a:p>
           <a:p>
             <a:pPr lvl="2"/>
             <a:r>
-              <a:rPr lang="en-US" smtClean="0"/>
+              <a:rPr lang="en-US"/>
               <a:t>Third level</a:t>
             </a:r>
           </a:p>
           <a:p>
             <a:pPr lvl="3"/>
             <a:r>
-              <a:rPr lang="en-US" smtClean="0"/>
+              <a:rPr lang="en-US"/>
               <a:t>Fourth level</a:t>
             </a:r>
           </a:p>
           <a:p>
             <a:pPr lvl="4"/>
             <a:r>
-              <a:rPr lang="en-US" smtClean="0"/>
+              <a:rPr lang="en-US"/>
               <a:t>Fifth level</a:t>
             </a:r>
-            <a:endParaRPr lang="en-US"/>
           </a:p>
         </p:txBody>
       </p:sp>
@@ -693,7 +701,7 @@
           <a:p>
             <a:fld id="{4F5AAAEB-DBEA-47A2-9756-A607CBF09882}" type="datetimeFigureOut">
               <a:rPr lang="en-US" smtClean="0"/>
-              <a:t>10/15/2016</a:t>
+              <a:t>10/17/2016</a:t>
             </a:fld>
             <a:endParaRPr lang="en-US"/>
           </a:p>
@@ -787,10 +795,9 @@
           <a:lstStyle/>
           <a:p>
             <a:r>
-              <a:rPr lang="en-US" smtClean="0"/>
+              <a:rPr lang="en-US"/>
               <a:t>Click to edit Master title style</a:t>
             </a:r>
-            <a:endParaRPr lang="en-US"/>
           </a:p>
         </p:txBody>
       </p:sp>
@@ -811,38 +818,37 @@
           <a:p>
             <a:pPr lvl="0"/>
             <a:r>
-              <a:rPr lang="en-US" smtClean="0"/>
+              <a:rPr lang="en-US"/>
               <a:t>Click to edit Master text styles</a:t>
             </a:r>
           </a:p>
           <a:p>
             <a:pPr lvl="1"/>
             <a:r>
-              <a:rPr lang="en-US" smtClean="0"/>
+              <a:rPr lang="en-US"/>
               <a:t>Second level</a:t>
             </a:r>
           </a:p>
           <a:p>
             <a:pPr lvl="2"/>
             <a:r>
-              <a:rPr lang="en-US" smtClean="0"/>
+              <a:rPr lang="en-US"/>
               <a:t>Third level</a:t>
             </a:r>
           </a:p>
           <a:p>
             <a:pPr lvl="3"/>
             <a:r>
-              <a:rPr lang="en-US" smtClean="0"/>
+              <a:rPr lang="en-US"/>
               <a:t>Fourth level</a:t>
             </a:r>
           </a:p>
           <a:p>
             <a:pPr lvl="4"/>
             <a:r>
-              <a:rPr lang="en-US" smtClean="0"/>
+              <a:rPr lang="en-US"/>
               <a:t>Fifth level</a:t>
             </a:r>
-            <a:endParaRPr lang="en-US"/>
           </a:p>
         </p:txBody>
       </p:sp>
@@ -863,7 +869,7 @@
           <a:p>
             <a:fld id="{4F5AAAEB-DBEA-47A2-9756-A607CBF09882}" type="datetimeFigureOut">
               <a:rPr lang="en-US" smtClean="0"/>
-              <a:t>10/15/2016</a:t>
+              <a:t>10/17/2016</a:t>
             </a:fld>
             <a:endParaRPr lang="en-US"/>
           </a:p>
@@ -966,10 +972,9 @@
           </a:lstStyle>
           <a:p>
             <a:r>
-              <a:rPr lang="en-US" smtClean="0"/>
+              <a:rPr lang="en-US"/>
               <a:t>Click to edit Master title style</a:t>
             </a:r>
-            <a:endParaRPr lang="en-US"/>
           </a:p>
         </p:txBody>
       </p:sp>
@@ -1086,7 +1091,7 @@
           <a:p>
             <a:pPr lvl="0"/>
             <a:r>
-              <a:rPr lang="en-US" smtClean="0"/>
+              <a:rPr lang="en-US"/>
               <a:t>Click to edit Master text styles</a:t>
             </a:r>
           </a:p>
@@ -1109,7 +1114,7 @@
           <a:p>
             <a:fld id="{4F5AAAEB-DBEA-47A2-9756-A607CBF09882}" type="datetimeFigureOut">
               <a:rPr lang="en-US" smtClean="0"/>
-              <a:t>10/15/2016</a:t>
+              <a:t>10/17/2016</a:t>
             </a:fld>
             <a:endParaRPr lang="en-US"/>
           </a:p>
@@ -1203,10 +1208,9 @@
           <a:lstStyle/>
           <a:p>
             <a:r>
-              <a:rPr lang="en-US" smtClean="0"/>
+              <a:rPr lang="en-US"/>
               <a:t>Click to edit Master title style</a:t>
             </a:r>
-            <a:endParaRPr lang="en-US"/>
           </a:p>
         </p:txBody>
       </p:sp>
@@ -1260,38 +1264,37 @@
           <a:p>
             <a:pPr lvl="0"/>
             <a:r>
-              <a:rPr lang="en-US" smtClean="0"/>
+              <a:rPr lang="en-US"/>
               <a:t>Click to edit Master text styles</a:t>
             </a:r>
           </a:p>
           <a:p>
             <a:pPr lvl="1"/>
             <a:r>
-              <a:rPr lang="en-US" smtClean="0"/>
+              <a:rPr lang="en-US"/>
               <a:t>Second level</a:t>
             </a:r>
           </a:p>
           <a:p>
             <a:pPr lvl="2"/>
             <a:r>
-              <a:rPr lang="en-US" smtClean="0"/>
+              <a:rPr lang="en-US"/>
               <a:t>Third level</a:t>
             </a:r>
           </a:p>
           <a:p>
             <a:pPr lvl="3"/>
             <a:r>
-              <a:rPr lang="en-US" smtClean="0"/>
+              <a:rPr lang="en-US"/>
               <a:t>Fourth level</a:t>
             </a:r>
           </a:p>
           <a:p>
             <a:pPr lvl="4"/>
             <a:r>
-              <a:rPr lang="en-US" smtClean="0"/>
+              <a:rPr lang="en-US"/>
               <a:t>Fifth level</a:t>
             </a:r>
-            <a:endParaRPr lang="en-US"/>
           </a:p>
         </p:txBody>
       </p:sp>
@@ -1345,38 +1348,37 @@
           <a:p>
             <a:pPr lvl="0"/>
             <a:r>
-              <a:rPr lang="en-US" smtClean="0"/>
+              <a:rPr lang="en-US"/>
               <a:t>Click to edit Master text styles</a:t>
             </a:r>
           </a:p>
           <a:p>
             <a:pPr lvl="1"/>
             <a:r>
-              <a:rPr lang="en-US" smtClean="0"/>
+              <a:rPr lang="en-US"/>
               <a:t>Second level</a:t>
             </a:r>
           </a:p>
           <a:p>
             <a:pPr lvl="2"/>
             <a:r>
-              <a:rPr lang="en-US" smtClean="0"/>
+              <a:rPr lang="en-US"/>
               <a:t>Third level</a:t>
             </a:r>
           </a:p>
           <a:p>
             <a:pPr lvl="3"/>
             <a:r>
-              <a:rPr lang="en-US" smtClean="0"/>
+              <a:rPr lang="en-US"/>
               <a:t>Fourth level</a:t>
             </a:r>
           </a:p>
           <a:p>
             <a:pPr lvl="4"/>
             <a:r>
-              <a:rPr lang="en-US" smtClean="0"/>
+              <a:rPr lang="en-US"/>
               <a:t>Fifth level</a:t>
             </a:r>
-            <a:endParaRPr lang="en-US"/>
           </a:p>
         </p:txBody>
       </p:sp>
@@ -1397,7 +1399,7 @@
           <a:p>
             <a:fld id="{4F5AAAEB-DBEA-47A2-9756-A607CBF09882}" type="datetimeFigureOut">
               <a:rPr lang="en-US" smtClean="0"/>
-              <a:t>10/15/2016</a:t>
+              <a:t>10/17/2016</a:t>
             </a:fld>
             <a:endParaRPr lang="en-US"/>
           </a:p>
@@ -1495,10 +1497,9 @@
           </a:lstStyle>
           <a:p>
             <a:r>
-              <a:rPr lang="en-US" smtClean="0"/>
+              <a:rPr lang="en-US"/>
               <a:t>Click to edit Master title style</a:t>
             </a:r>
-            <a:endParaRPr lang="en-US"/>
           </a:p>
         </p:txBody>
       </p:sp>
@@ -1561,7 +1562,7 @@
           <a:p>
             <a:pPr lvl="0"/>
             <a:r>
-              <a:rPr lang="en-US" smtClean="0"/>
+              <a:rPr lang="en-US"/>
               <a:t>Click to edit Master text styles</a:t>
             </a:r>
           </a:p>
@@ -1617,38 +1618,37 @@
           <a:p>
             <a:pPr lvl="0"/>
             <a:r>
-              <a:rPr lang="en-US" smtClean="0"/>
+              <a:rPr lang="en-US"/>
               <a:t>Click to edit Master text styles</a:t>
             </a:r>
           </a:p>
           <a:p>
             <a:pPr lvl="1"/>
             <a:r>
-              <a:rPr lang="en-US" smtClean="0"/>
+              <a:rPr lang="en-US"/>
               <a:t>Second level</a:t>
             </a:r>
           </a:p>
           <a:p>
             <a:pPr lvl="2"/>
             <a:r>
-              <a:rPr lang="en-US" smtClean="0"/>
+              <a:rPr lang="en-US"/>
               <a:t>Third level</a:t>
             </a:r>
           </a:p>
           <a:p>
             <a:pPr lvl="3"/>
             <a:r>
-              <a:rPr lang="en-US" smtClean="0"/>
+              <a:rPr lang="en-US"/>
               <a:t>Fourth level</a:t>
             </a:r>
           </a:p>
           <a:p>
             <a:pPr lvl="4"/>
             <a:r>
-              <a:rPr lang="en-US" smtClean="0"/>
+              <a:rPr lang="en-US"/>
               <a:t>Fifth level</a:t>
             </a:r>
-            <a:endParaRPr lang="en-US"/>
           </a:p>
         </p:txBody>
       </p:sp>
@@ -1711,7 +1711,7 @@
           <a:p>
             <a:pPr lvl="0"/>
             <a:r>
-              <a:rPr lang="en-US" smtClean="0"/>
+              <a:rPr lang="en-US"/>
               <a:t>Click to edit Master text styles</a:t>
             </a:r>
           </a:p>
@@ -1767,38 +1767,37 @@
           <a:p>
             <a:pPr lvl="0"/>
             <a:r>
-              <a:rPr lang="en-US" smtClean="0"/>
+              <a:rPr lang="en-US"/>
               <a:t>Click to edit Master text styles</a:t>
             </a:r>
           </a:p>
           <a:p>
             <a:pPr lvl="1"/>
             <a:r>
-              <a:rPr lang="en-US" smtClean="0"/>
+              <a:rPr lang="en-US"/>
               <a:t>Second level</a:t>
             </a:r>
           </a:p>
           <a:p>
             <a:pPr lvl="2"/>
             <a:r>
-              <a:rPr lang="en-US" smtClean="0"/>
+              <a:rPr lang="en-US"/>
               <a:t>Third level</a:t>
             </a:r>
           </a:p>
           <a:p>
             <a:pPr lvl="3"/>
             <a:r>
-              <a:rPr lang="en-US" smtClean="0"/>
+              <a:rPr lang="en-US"/>
               <a:t>Fourth level</a:t>
             </a:r>
           </a:p>
           <a:p>
             <a:pPr lvl="4"/>
             <a:r>
-              <a:rPr lang="en-US" smtClean="0"/>
+              <a:rPr lang="en-US"/>
               <a:t>Fifth level</a:t>
             </a:r>
-            <a:endParaRPr lang="en-US"/>
           </a:p>
         </p:txBody>
       </p:sp>
@@ -1819,7 +1818,7 @@
           <a:p>
             <a:fld id="{4F5AAAEB-DBEA-47A2-9756-A607CBF09882}" type="datetimeFigureOut">
               <a:rPr lang="en-US" smtClean="0"/>
-              <a:t>10/15/2016</a:t>
+              <a:t>10/17/2016</a:t>
             </a:fld>
             <a:endParaRPr lang="en-US"/>
           </a:p>
@@ -1913,10 +1912,9 @@
           <a:lstStyle/>
           <a:p>
             <a:r>
-              <a:rPr lang="en-US" smtClean="0"/>
+              <a:rPr lang="en-US"/>
               <a:t>Click to edit Master title style</a:t>
             </a:r>
-            <a:endParaRPr lang="en-US"/>
           </a:p>
         </p:txBody>
       </p:sp>
@@ -1937,7 +1935,7 @@
           <a:p>
             <a:fld id="{4F5AAAEB-DBEA-47A2-9756-A607CBF09882}" type="datetimeFigureOut">
               <a:rPr lang="en-US" smtClean="0"/>
-              <a:t>10/15/2016</a:t>
+              <a:t>10/17/2016</a:t>
             </a:fld>
             <a:endParaRPr lang="en-US"/>
           </a:p>
@@ -2032,7 +2030,7 @@
           <a:p>
             <a:fld id="{4F5AAAEB-DBEA-47A2-9756-A607CBF09882}" type="datetimeFigureOut">
               <a:rPr lang="en-US" smtClean="0"/>
-              <a:t>10/15/2016</a:t>
+              <a:t>10/17/2016</a:t>
             </a:fld>
             <a:endParaRPr lang="en-US"/>
           </a:p>
@@ -2135,10 +2133,9 @@
           </a:lstStyle>
           <a:p>
             <a:r>
-              <a:rPr lang="en-US" smtClean="0"/>
+              <a:rPr lang="en-US"/>
               <a:t>Click to edit Master title style</a:t>
             </a:r>
-            <a:endParaRPr lang="en-US"/>
           </a:p>
         </p:txBody>
       </p:sp>
@@ -2192,38 +2189,37 @@
           <a:p>
             <a:pPr lvl="0"/>
             <a:r>
-              <a:rPr lang="en-US" smtClean="0"/>
+              <a:rPr lang="en-US"/>
               <a:t>Click to edit Master text styles</a:t>
             </a:r>
           </a:p>
           <a:p>
             <a:pPr lvl="1"/>
             <a:r>
-              <a:rPr lang="en-US" smtClean="0"/>
+              <a:rPr lang="en-US"/>
               <a:t>Second level</a:t>
             </a:r>
           </a:p>
           <a:p>
             <a:pPr lvl="2"/>
             <a:r>
-              <a:rPr lang="en-US" smtClean="0"/>
+              <a:rPr lang="en-US"/>
               <a:t>Third level</a:t>
             </a:r>
           </a:p>
           <a:p>
             <a:pPr lvl="3"/>
             <a:r>
-              <a:rPr lang="en-US" smtClean="0"/>
+              <a:rPr lang="en-US"/>
               <a:t>Fourth level</a:t>
             </a:r>
           </a:p>
           <a:p>
             <a:pPr lvl="4"/>
             <a:r>
-              <a:rPr lang="en-US" smtClean="0"/>
+              <a:rPr lang="en-US"/>
               <a:t>Fifth level</a:t>
             </a:r>
-            <a:endParaRPr lang="en-US"/>
           </a:p>
         </p:txBody>
       </p:sp>
@@ -2286,7 +2282,7 @@
           <a:p>
             <a:pPr lvl="0"/>
             <a:r>
-              <a:rPr lang="en-US" smtClean="0"/>
+              <a:rPr lang="en-US"/>
               <a:t>Click to edit Master text styles</a:t>
             </a:r>
           </a:p>
@@ -2309,7 +2305,7 @@
           <a:p>
             <a:fld id="{4F5AAAEB-DBEA-47A2-9756-A607CBF09882}" type="datetimeFigureOut">
               <a:rPr lang="en-US" smtClean="0"/>
-              <a:t>10/15/2016</a:t>
+              <a:t>10/17/2016</a:t>
             </a:fld>
             <a:endParaRPr lang="en-US"/>
           </a:p>
@@ -2412,10 +2408,9 @@
           </a:lstStyle>
           <a:p>
             <a:r>
-              <a:rPr lang="en-US" smtClean="0"/>
+              <a:rPr lang="en-US"/>
               <a:t>Click to edit Master title style</a:t>
             </a:r>
-            <a:endParaRPr lang="en-US"/>
           </a:p>
         </p:txBody>
       </p:sp>
@@ -2539,7 +2534,7 @@
           <a:p>
             <a:pPr lvl="0"/>
             <a:r>
-              <a:rPr lang="en-US" smtClean="0"/>
+              <a:rPr lang="en-US"/>
               <a:t>Click to edit Master text styles</a:t>
             </a:r>
           </a:p>
@@ -2562,7 +2557,7 @@
           <a:p>
             <a:fld id="{4F5AAAEB-DBEA-47A2-9756-A607CBF09882}" type="datetimeFigureOut">
               <a:rPr lang="en-US" smtClean="0"/>
-              <a:t>10/15/2016</a:t>
+              <a:t>10/17/2016</a:t>
             </a:fld>
             <a:endParaRPr lang="en-US"/>
           </a:p>
@@ -2671,10 +2666,9 @@
           <a:lstStyle/>
           <a:p>
             <a:r>
-              <a:rPr lang="en-US" smtClean="0"/>
+              <a:rPr lang="en-US"/>
               <a:t>Click to edit Master title style</a:t>
             </a:r>
-            <a:endParaRPr lang="en-US"/>
           </a:p>
         </p:txBody>
       </p:sp>
@@ -2705,38 +2699,37 @@
           <a:p>
             <a:pPr lvl="0"/>
             <a:r>
-              <a:rPr lang="en-US" smtClean="0"/>
+              <a:rPr lang="en-US"/>
               <a:t>Click to edit Master text styles</a:t>
             </a:r>
           </a:p>
           <a:p>
             <a:pPr lvl="1"/>
             <a:r>
-              <a:rPr lang="en-US" smtClean="0"/>
+              <a:rPr lang="en-US"/>
               <a:t>Second level</a:t>
             </a:r>
           </a:p>
           <a:p>
             <a:pPr lvl="2"/>
             <a:r>
-              <a:rPr lang="en-US" smtClean="0"/>
+              <a:rPr lang="en-US"/>
               <a:t>Third level</a:t>
             </a:r>
           </a:p>
           <a:p>
             <a:pPr lvl="3"/>
             <a:r>
-              <a:rPr lang="en-US" smtClean="0"/>
+              <a:rPr lang="en-US"/>
               <a:t>Fourth level</a:t>
             </a:r>
           </a:p>
           <a:p>
             <a:pPr lvl="4"/>
             <a:r>
-              <a:rPr lang="en-US" smtClean="0"/>
+              <a:rPr lang="en-US"/>
               <a:t>Fifth level</a:t>
             </a:r>
-            <a:endParaRPr lang="en-US"/>
           </a:p>
         </p:txBody>
       </p:sp>
@@ -2775,7 +2768,7 @@
           <a:p>
             <a:fld id="{4F5AAAEB-DBEA-47A2-9756-A607CBF09882}" type="datetimeFigureOut">
               <a:rPr lang="en-US" smtClean="0"/>
-              <a:t>10/15/2016</a:t>
+              <a:t>10/17/2016</a:t>
             </a:fld>
             <a:endParaRPr lang="en-US"/>
           </a:p>
@@ -3166,14 +3159,13 @@
           <a:lstStyle/>
           <a:p>
             <a:r>
-              <a:rPr lang="en-US" dirty="0" err="1" smtClean="0"/>
+              <a:rPr lang="en-US" dirty="0" err="1"/>
               <a:t>Git</a:t>
             </a:r>
             <a:r>
-              <a:rPr lang="en-US" dirty="0" smtClean="0"/>
+              <a:rPr lang="en-US" dirty="0"/>
               <a:t> and using GitHub</a:t>
             </a:r>
-            <a:endParaRPr lang="en-US" dirty="0"/>
           </a:p>
         </p:txBody>
       </p:sp>
@@ -3190,15 +3182,14 @@
         <p:spPr/>
         <p:txBody>
           <a:bodyPr>
-            <a:normAutofit fontScale="92500"/>
+            <a:normAutofit/>
           </a:bodyPr>
           <a:lstStyle/>
           <a:p>
             <a:r>
-              <a:rPr lang="en-US" dirty="0" smtClean="0"/>
-              <a:t>Unless you don’t like being able to work with other people and not seeing the changes you made in the past</a:t>
-            </a:r>
-            <a:endParaRPr lang="en-US" dirty="0"/>
+              <a:rPr lang="en-US" dirty="0"/>
+              <a:t>Unless you don’t like being able to work with other people and see the changes you made in the past</a:t>
+            </a:r>
           </a:p>
         </p:txBody>
       </p:sp>
@@ -3248,10 +3239,9 @@
           <a:lstStyle/>
           <a:p>
             <a:r>
-              <a:rPr lang="en-US" dirty="0" smtClean="0"/>
+              <a:rPr lang="en-US" dirty="0"/>
               <a:t>GitHub GUI – Make new repo</a:t>
             </a:r>
-            <a:endParaRPr lang="en-US" dirty="0"/>
           </a:p>
         </p:txBody>
       </p:sp>
@@ -3273,55 +3263,55 @@
           <a:lstStyle/>
           <a:p>
             <a:r>
-              <a:rPr lang="en-US" dirty="0" smtClean="0"/>
-              <a:t>Can either create online and bring it to local computer</a:t>
-            </a:r>
-          </a:p>
-          <a:p>
-            <a:r>
-              <a:rPr lang="en-US" dirty="0" smtClean="0"/>
+              <a:rPr lang="en-US" dirty="0"/>
+              <a:t>Can either create online or bring it to local computer</a:t>
+            </a:r>
+          </a:p>
+          <a:p>
+            <a:r>
+              <a:rPr lang="en-US" dirty="0"/>
               <a:t>Start new repository and push to GitHub when ready (If using a private repo, why wait)</a:t>
             </a:r>
           </a:p>
           <a:p>
             <a:pPr lvl="1"/>
             <a:r>
-              <a:rPr lang="en-US" dirty="0" smtClean="0"/>
+              <a:rPr lang="en-US" dirty="0"/>
               <a:t>HUGE SIDE NOTE: Go here if you haven’t before </a:t>
             </a:r>
             <a:r>
-              <a:rPr lang="en-US" dirty="0" smtClean="0">
+              <a:rPr lang="en-US" dirty="0">
                 <a:hlinkClick r:id="rId2"/>
               </a:rPr>
               <a:t>https://education.github.com/pack/offers</a:t>
             </a:r>
             <a:r>
-              <a:rPr lang="en-US" dirty="0" smtClean="0"/>
+              <a:rPr lang="en-US" dirty="0"/>
               <a:t> and get your free private repositories</a:t>
             </a:r>
           </a:p>
           <a:p>
             <a:r>
-              <a:rPr lang="en-US" dirty="0" smtClean="0"/>
+              <a:rPr lang="en-US" dirty="0"/>
               <a:t>Can take a current set of code and make it into a </a:t>
             </a:r>
             <a:r>
-              <a:rPr lang="en-US" dirty="0" err="1" smtClean="0"/>
+              <a:rPr lang="en-US" dirty="0" err="1"/>
               <a:t>Git</a:t>
             </a:r>
             <a:r>
-              <a:rPr lang="en-US" dirty="0" smtClean="0"/>
+              <a:rPr lang="en-US" dirty="0"/>
               <a:t> repo </a:t>
             </a:r>
           </a:p>
           <a:p>
             <a:pPr lvl="1"/>
             <a:r>
-              <a:rPr lang="en-US" dirty="0" smtClean="0"/>
+              <a:rPr lang="en-US" dirty="0"/>
               <a:t>Will have no history prior to initialization of </a:t>
             </a:r>
             <a:r>
-              <a:rPr lang="en-US" dirty="0" err="1" smtClean="0"/>
+              <a:rPr lang="en-US" dirty="0" err="1"/>
               <a:t>git</a:t>
             </a:r>
             <a:endParaRPr lang="en-US" dirty="0"/>
@@ -3374,10 +3364,9 @@
           <a:lstStyle/>
           <a:p>
             <a:r>
-              <a:rPr lang="en-US" dirty="0" smtClean="0"/>
+              <a:rPr lang="en-US" dirty="0"/>
               <a:t>How to use GUI</a:t>
             </a:r>
-            <a:endParaRPr lang="en-US" dirty="0"/>
           </a:p>
         </p:txBody>
       </p:sp>
@@ -3399,41 +3388,41 @@
           <a:lstStyle/>
           <a:p>
             <a:r>
-              <a:rPr lang="en-US" dirty="0" smtClean="0"/>
+              <a:rPr lang="en-US" dirty="0"/>
               <a:t>If you want to learn more go here: </a:t>
             </a:r>
             <a:r>
-              <a:rPr lang="en-US" dirty="0" smtClean="0">
+              <a:rPr lang="en-US" dirty="0">
                 <a:hlinkClick r:id="rId2"/>
               </a:rPr>
               <a:t>https://guides.github.com/</a:t>
             </a:r>
-            <a:endParaRPr lang="en-US" dirty="0" smtClean="0"/>
-          </a:p>
-          <a:p>
             <a:endParaRPr lang="en-US" dirty="0"/>
           </a:p>
           <a:p>
-            <a:r>
-              <a:rPr lang="en-US" dirty="0" smtClean="0"/>
+            <a:endParaRPr lang="en-US" dirty="0"/>
+          </a:p>
+          <a:p>
+            <a:r>
+              <a:rPr lang="en-US" dirty="0"/>
               <a:t>If you want to get this repo go here</a:t>
             </a:r>
           </a:p>
           <a:p>
             <a:r>
-              <a:rPr lang="en-US" sz="2200" dirty="0" smtClean="0">
+              <a:rPr lang="en-US" sz="2200" dirty="0">
                 <a:hlinkClick r:id="rId3"/>
               </a:rPr>
               <a:t>https://github.com/sjfricke/IEEE_RaspberryPi_Socket_Pokemon</a:t>
             </a:r>
-            <a:endParaRPr lang="en-US" sz="2200" dirty="0" smtClean="0"/>
+            <a:endParaRPr lang="en-US" sz="2200" dirty="0"/>
           </a:p>
           <a:p>
             <a:endParaRPr lang="en-US" dirty="0"/>
           </a:p>
           <a:p>
             <a:r>
-              <a:rPr lang="en-US" dirty="0" smtClean="0"/>
+              <a:rPr lang="en-US" dirty="0"/>
               <a:t>Click the “Clone or Download” button and Clone it to your desktop (will open Desktop GUI for you)</a:t>
             </a:r>
           </a:p>
@@ -3488,10 +3477,9 @@
           <a:lstStyle/>
           <a:p>
             <a:r>
-              <a:rPr lang="en-US" dirty="0" smtClean="0"/>
+              <a:rPr lang="en-US" dirty="0"/>
               <a:t>GitHub Permissions</a:t>
             </a:r>
-            <a:endParaRPr lang="en-US" dirty="0"/>
           </a:p>
         </p:txBody>
       </p:sp>
@@ -3513,78 +3501,78 @@
           <a:lstStyle/>
           <a:p>
             <a:r>
-              <a:rPr lang="en-US" dirty="0" smtClean="0"/>
+              <a:rPr lang="en-US" dirty="0"/>
               <a:t>For a project you can always just download the code and do what you want.</a:t>
             </a:r>
           </a:p>
           <a:p>
             <a:r>
-              <a:rPr lang="en-US" dirty="0" smtClean="0"/>
+              <a:rPr lang="en-US" dirty="0"/>
               <a:t>If you want to make changes, either </a:t>
             </a:r>
             <a:r>
-              <a:rPr lang="en-US" b="1" dirty="0" smtClean="0"/>
+              <a:rPr lang="en-US" b="1" dirty="0"/>
               <a:t>Clone </a:t>
             </a:r>
             <a:r>
-              <a:rPr lang="en-US" dirty="0" smtClean="0"/>
+              <a:rPr lang="en-US" dirty="0"/>
               <a:t>or </a:t>
             </a:r>
             <a:r>
-              <a:rPr lang="en-US" b="1" dirty="0" smtClean="0"/>
+              <a:rPr lang="en-US" b="1" dirty="0"/>
               <a:t>Fork</a:t>
             </a:r>
             <a:r>
-              <a:rPr lang="en-US" dirty="0" smtClean="0"/>
+              <a:rPr lang="en-US" dirty="0"/>
               <a:t> the Repository</a:t>
             </a:r>
           </a:p>
           <a:p>
             <a:pPr lvl="1"/>
             <a:r>
-              <a:rPr lang="en-US" dirty="0" smtClean="0"/>
+              <a:rPr lang="en-US" dirty="0"/>
               <a:t>You can then send a </a:t>
             </a:r>
             <a:r>
-              <a:rPr lang="en-US" b="1" dirty="0" smtClean="0"/>
+              <a:rPr lang="en-US" b="1" dirty="0"/>
               <a:t>Pull Request</a:t>
             </a:r>
             <a:r>
-              <a:rPr lang="en-US" dirty="0" smtClean="0"/>
+              <a:rPr lang="en-US" dirty="0"/>
               <a:t> that will let someone in charge of Repo check your changes and </a:t>
             </a:r>
             <a:r>
-              <a:rPr lang="en-US" b="1" dirty="0" smtClean="0"/>
+              <a:rPr lang="en-US" b="1" dirty="0"/>
               <a:t>Merge </a:t>
             </a:r>
             <a:r>
-              <a:rPr lang="en-US" dirty="0" smtClean="0"/>
+              <a:rPr lang="en-US" dirty="0"/>
               <a:t>it</a:t>
             </a:r>
           </a:p>
           <a:p>
             <a:r>
-              <a:rPr lang="en-US" sz="2800" dirty="0" smtClean="0"/>
+              <a:rPr lang="en-US" sz="2800" dirty="0"/>
               <a:t>If you set someone as a </a:t>
             </a:r>
             <a:r>
-              <a:rPr lang="en-US" sz="2800" b="1" dirty="0" smtClean="0"/>
+              <a:rPr lang="en-US" sz="2800" b="1" dirty="0"/>
               <a:t>Collaborator </a:t>
             </a:r>
             <a:r>
-              <a:rPr lang="en-US" sz="2800" dirty="0" smtClean="0"/>
+              <a:rPr lang="en-US" sz="2800" dirty="0"/>
               <a:t>they can </a:t>
             </a:r>
             <a:r>
-              <a:rPr lang="en-US" sz="2800" b="1" dirty="0" smtClean="0"/>
+              <a:rPr lang="en-US" sz="2800" b="1" dirty="0"/>
               <a:t>Push</a:t>
             </a:r>
             <a:r>
-              <a:rPr lang="en-US" sz="2800" dirty="0" smtClean="0"/>
+              <a:rPr lang="en-US" sz="2800" dirty="0"/>
               <a:t> code without having to submit a </a:t>
             </a:r>
             <a:r>
-              <a:rPr lang="en-US" sz="2800" b="1" dirty="0" smtClean="0"/>
+              <a:rPr lang="en-US" sz="2800" b="1" dirty="0"/>
               <a:t>Pull Request</a:t>
             </a:r>
             <a:endParaRPr lang="en-US" sz="2800" dirty="0"/>
@@ -3661,10 +3649,9 @@
           <a:lstStyle/>
           <a:p>
             <a:r>
-              <a:rPr lang="en-US" dirty="0" smtClean="0"/>
+              <a:rPr lang="en-US" dirty="0"/>
               <a:t>Click here to add the Repo</a:t>
             </a:r>
-            <a:endParaRPr lang="en-US" dirty="0"/>
           </a:p>
         </p:txBody>
       </p:sp>
@@ -3804,24 +3791,23 @@
           <a:lstStyle/>
           <a:p>
             <a:r>
-              <a:rPr lang="en-US" dirty="0" smtClean="0"/>
+              <a:rPr lang="en-US" dirty="0"/>
               <a:t>Click here to sync with Repo </a:t>
             </a:r>
           </a:p>
           <a:p>
             <a:pPr lvl="1"/>
             <a:r>
-              <a:rPr lang="en-US" dirty="0" smtClean="0"/>
+              <a:rPr lang="en-US" dirty="0"/>
               <a:t>Use to get the latest version (ALWAYS Do this before you start!)</a:t>
             </a:r>
           </a:p>
           <a:p>
             <a:pPr lvl="1"/>
             <a:r>
-              <a:rPr lang="en-US" dirty="0" smtClean="0"/>
+              <a:rPr lang="en-US" dirty="0"/>
               <a:t>If you are a Collaborator you can use this to push to Server</a:t>
             </a:r>
-            <a:endParaRPr lang="en-US" dirty="0"/>
           </a:p>
         </p:txBody>
       </p:sp>
@@ -3959,10 +3945,9 @@
           <a:lstStyle/>
           <a:p>
             <a:r>
-              <a:rPr lang="en-US" dirty="0" smtClean="0"/>
+              <a:rPr lang="en-US" dirty="0"/>
               <a:t>Either Add a new branch or switch between branches of the project</a:t>
             </a:r>
-            <a:endParaRPr lang="en-US" dirty="0"/>
           </a:p>
         </p:txBody>
       </p:sp>
@@ -4102,18 +4087,17 @@
           <a:lstStyle/>
           <a:p>
             <a:r>
-              <a:rPr lang="en-US" dirty="0" smtClean="0"/>
+              <a:rPr lang="en-US" dirty="0"/>
               <a:t>When in “Change” screen you can select which files you are </a:t>
             </a:r>
             <a:r>
-              <a:rPr lang="en-US" b="1" dirty="0" smtClean="0"/>
+              <a:rPr lang="en-US" b="1" dirty="0"/>
               <a:t>Staging</a:t>
             </a:r>
             <a:r>
-              <a:rPr lang="en-US" dirty="0" smtClean="0"/>
+              <a:rPr lang="en-US" dirty="0"/>
               <a:t> and want to add to the new changes</a:t>
             </a:r>
-            <a:endParaRPr lang="en-US" dirty="0"/>
           </a:p>
         </p:txBody>
       </p:sp>
@@ -4253,33 +4237,32 @@
           <a:lstStyle/>
           <a:p>
             <a:r>
-              <a:rPr lang="en-US" dirty="0" smtClean="0"/>
+              <a:rPr lang="en-US" dirty="0"/>
               <a:t>Add a Summary and Description to your </a:t>
             </a:r>
             <a:r>
-              <a:rPr lang="en-US" b="1" dirty="0" smtClean="0"/>
+              <a:rPr lang="en-US" b="1" dirty="0"/>
               <a:t>Commit</a:t>
             </a:r>
             <a:r>
-              <a:rPr lang="en-US" dirty="0" smtClean="0"/>
+              <a:rPr lang="en-US" dirty="0"/>
               <a:t> and </a:t>
             </a:r>
             <a:r>
-              <a:rPr lang="en-US" b="1" dirty="0" smtClean="0"/>
+              <a:rPr lang="en-US" b="1" dirty="0"/>
               <a:t>Commit</a:t>
             </a:r>
             <a:r>
-              <a:rPr lang="en-US" dirty="0" smtClean="0"/>
+              <a:rPr lang="en-US" dirty="0"/>
               <a:t> the changes</a:t>
             </a:r>
           </a:p>
           <a:p>
             <a:pPr lvl="1"/>
             <a:r>
-              <a:rPr lang="en-US" dirty="0" smtClean="0"/>
+              <a:rPr lang="en-US" dirty="0"/>
               <a:t>Remember, this is only committed on your local machine until you push the changes to the server</a:t>
             </a:r>
-            <a:endParaRPr lang="en-US" dirty="0"/>
           </a:p>
         </p:txBody>
       </p:sp>
@@ -4417,18 +4400,17 @@
           <a:lstStyle/>
           <a:p>
             <a:r>
-              <a:rPr lang="en-US" dirty="0" smtClean="0"/>
+              <a:rPr lang="en-US" dirty="0"/>
               <a:t>If your code is ready, you can send the </a:t>
             </a:r>
             <a:r>
-              <a:rPr lang="en-US" b="1" dirty="0" smtClean="0"/>
+              <a:rPr lang="en-US" b="1" dirty="0"/>
               <a:t>Pull Request</a:t>
             </a:r>
             <a:r>
-              <a:rPr lang="en-US" dirty="0" smtClean="0"/>
+              <a:rPr lang="en-US" dirty="0"/>
               <a:t> from here</a:t>
             </a:r>
-            <a:endParaRPr lang="en-US" dirty="0"/>
           </a:p>
         </p:txBody>
       </p:sp>
@@ -4566,18 +4548,17 @@
           <a:lstStyle/>
           <a:p>
             <a:r>
-              <a:rPr lang="en-US" dirty="0" smtClean="0"/>
+              <a:rPr lang="en-US" dirty="0"/>
               <a:t>In the “History” screen you can see all the past </a:t>
             </a:r>
             <a:r>
-              <a:rPr lang="en-US" b="1" dirty="0" smtClean="0"/>
+              <a:rPr lang="en-US" b="1" dirty="0"/>
               <a:t>Commits</a:t>
             </a:r>
             <a:r>
-              <a:rPr lang="en-US" dirty="0" smtClean="0"/>
+              <a:rPr lang="en-US" dirty="0"/>
               <a:t> of the repository</a:t>
             </a:r>
-            <a:endParaRPr lang="en-US" dirty="0"/>
           </a:p>
         </p:txBody>
       </p:sp>
@@ -4691,10 +4672,9 @@
           <a:lstStyle/>
           <a:p>
             <a:r>
-              <a:rPr lang="en-US" dirty="0" smtClean="0"/>
-              <a:t>FIRST THING FIRST!</a:t>
-            </a:r>
-            <a:endParaRPr lang="en-US" dirty="0"/>
+              <a:rPr lang="en-US" dirty="0"/>
+              <a:t>FIRST THING’S FIRST!</a:t>
+            </a:r>
           </a:p>
         </p:txBody>
       </p:sp>
@@ -4716,11 +4696,11 @@
           <a:lstStyle/>
           <a:p>
             <a:r>
-              <a:rPr lang="en-US" dirty="0" err="1" smtClean="0"/>
+              <a:rPr lang="en-US" dirty="0" err="1"/>
               <a:t>Git</a:t>
             </a:r>
             <a:r>
-              <a:rPr lang="en-US" dirty="0" smtClean="0"/>
+              <a:rPr lang="en-US" dirty="0"/>
               <a:t> ≠ GitHub</a:t>
             </a:r>
           </a:p>
@@ -4731,69 +4711,65 @@
             <a:pPr marL="0" indent="0">
               <a:buNone/>
             </a:pPr>
-            <a:r>
-              <a:rPr lang="en-US" dirty="0" smtClean="0"/>
-              <a:t/>
-            </a:r>
             <a:br>
-              <a:rPr lang="en-US" dirty="0" smtClean="0"/>
+              <a:rPr lang="en-US" dirty="0"/>
             </a:br>
-            <a:endParaRPr lang="en-US" dirty="0" smtClean="0"/>
-          </a:p>
-          <a:p>
-            <a:r>
-              <a:rPr lang="en-US" dirty="0" err="1" smtClean="0"/>
+            <a:endParaRPr lang="en-US" dirty="0"/>
+          </a:p>
+          <a:p>
+            <a:r>
+              <a:rPr lang="en-US" dirty="0" err="1"/>
               <a:t>Git</a:t>
             </a:r>
             <a:r>
-              <a:rPr lang="en-US" dirty="0" smtClean="0"/>
+              <a:rPr lang="en-US" dirty="0"/>
               <a:t> is </a:t>
             </a:r>
             <a:r>
-              <a:rPr lang="en-US" b="1" dirty="0" smtClean="0"/>
+              <a:rPr lang="en-US" b="1" dirty="0"/>
               <a:t>Form</a:t>
             </a:r>
             <a:r>
-              <a:rPr lang="en-US" dirty="0" smtClean="0"/>
+              <a:rPr lang="en-US" dirty="0"/>
               <a:t> of Version Control Software</a:t>
             </a:r>
           </a:p>
           <a:p>
             <a:pPr lvl="1"/>
             <a:r>
-              <a:rPr lang="en-US" dirty="0" smtClean="0"/>
+              <a:rPr lang="en-US" dirty="0"/>
               <a:t>AKA source control</a:t>
             </a:r>
           </a:p>
           <a:p>
             <a:pPr lvl="1"/>
             <a:r>
-              <a:rPr lang="en-US" dirty="0" smtClean="0"/>
+              <a:rPr lang="en-US" dirty="0"/>
               <a:t>Many other forms</a:t>
             </a:r>
           </a:p>
           <a:p>
             <a:r>
-              <a:rPr lang="en-US" dirty="0" smtClean="0"/>
+              <a:rPr lang="en-US" dirty="0"/>
               <a:t>GitHub is a place to host your </a:t>
             </a:r>
             <a:r>
-              <a:rPr lang="en-US" dirty="0" err="1" smtClean="0"/>
+              <a:rPr lang="en-US" dirty="0" err="1"/>
               <a:t>Git</a:t>
             </a:r>
             <a:r>
-              <a:rPr lang="en-US" dirty="0" smtClean="0"/>
+              <a:rPr lang="en-US" dirty="0"/>
               <a:t> Repositories online</a:t>
             </a:r>
           </a:p>
           <a:p>
             <a:pPr lvl="1"/>
             <a:r>
-              <a:rPr lang="en-US" dirty="0" smtClean="0"/>
+              <a:rPr lang="en-US" dirty="0"/>
               <a:t>Other websites offer this too like </a:t>
             </a:r>
             <a:r>
-              <a:rPr lang="en-US" dirty="0" err="1" smtClean="0"/>
+              <a:rPr lang="en-US" dirty="0" err="1"/>
               <a:t>BitBucket</a:t>
             </a:r>
             <a:endParaRPr lang="en-US" dirty="0"/>
@@ -4936,18 +4912,17 @@
           <a:lstStyle/>
           <a:p>
             <a:r>
-              <a:rPr lang="en-US" dirty="0" smtClean="0"/>
+              <a:rPr lang="en-US" dirty="0"/>
               <a:t>You can then </a:t>
             </a:r>
             <a:r>
-              <a:rPr lang="en-US" b="1" dirty="0" smtClean="0"/>
+              <a:rPr lang="en-US" b="1" dirty="0"/>
               <a:t>Revert</a:t>
             </a:r>
             <a:r>
-              <a:rPr lang="en-US" dirty="0" smtClean="0"/>
+              <a:rPr lang="en-US" dirty="0"/>
               <a:t> back to that point in the project… maybe start a new branch or see what you did or changed… this is WHY you use Version Control in the first place</a:t>
             </a:r>
-            <a:endParaRPr lang="en-US" dirty="0"/>
           </a:p>
         </p:txBody>
       </p:sp>
@@ -5061,11 +5036,11 @@
           <a:lstStyle/>
           <a:p>
             <a:r>
-              <a:rPr lang="en-US" dirty="0" smtClean="0"/>
+              <a:rPr lang="en-US" dirty="0"/>
               <a:t>Almost Forgot about .</a:t>
             </a:r>
             <a:r>
-              <a:rPr lang="en-US" dirty="0" err="1" smtClean="0"/>
+              <a:rPr lang="en-US" dirty="0" err="1"/>
               <a:t>gitignore</a:t>
             </a:r>
             <a:endParaRPr lang="en-US" dirty="0"/>
@@ -5090,73 +5065,73 @@
           <a:lstStyle/>
           <a:p>
             <a:r>
-              <a:rPr lang="en-US" dirty="0" err="1" smtClean="0"/>
+              <a:rPr lang="en-US" dirty="0" err="1"/>
               <a:t>Git</a:t>
             </a:r>
             <a:r>
-              <a:rPr lang="en-US" dirty="0" smtClean="0"/>
+              <a:rPr lang="en-US" dirty="0"/>
               <a:t> is not the best with Binary files (.mp3, .pdf, .exe, .</a:t>
             </a:r>
             <a:r>
-              <a:rPr lang="en-US" dirty="0" err="1" smtClean="0"/>
+              <a:rPr lang="en-US" dirty="0" err="1"/>
               <a:t>FileTypeICannotReadInNotepad</a:t>
             </a:r>
             <a:r>
-              <a:rPr lang="en-US" dirty="0" smtClean="0"/>
+              <a:rPr lang="en-US" dirty="0"/>
               <a:t>)</a:t>
             </a:r>
           </a:p>
           <a:p>
             <a:r>
-              <a:rPr lang="en-US" dirty="0" smtClean="0"/>
+              <a:rPr lang="en-US" dirty="0"/>
               <a:t>When you compile projects or other things that are not made well for </a:t>
             </a:r>
             <a:r>
-              <a:rPr lang="en-US" dirty="0" err="1" smtClean="0"/>
+              <a:rPr lang="en-US" dirty="0" err="1"/>
               <a:t>git</a:t>
             </a:r>
             <a:r>
-              <a:rPr lang="en-US" dirty="0" smtClean="0"/>
+              <a:rPr lang="en-US" dirty="0"/>
               <a:t>, we use the .</a:t>
             </a:r>
             <a:r>
-              <a:rPr lang="en-US" dirty="0" err="1" smtClean="0"/>
+              <a:rPr lang="en-US" dirty="0" err="1"/>
               <a:t>gitignore</a:t>
             </a:r>
             <a:r>
-              <a:rPr lang="en-US" dirty="0" smtClean="0"/>
+              <a:rPr lang="en-US" dirty="0"/>
               <a:t> file</a:t>
             </a:r>
           </a:p>
           <a:p>
             <a:r>
-              <a:rPr lang="en-US" dirty="0" smtClean="0"/>
+              <a:rPr lang="en-US" dirty="0"/>
               <a:t>It list all the folders and files that </a:t>
             </a:r>
             <a:r>
-              <a:rPr lang="en-US" dirty="0" err="1" smtClean="0"/>
+              <a:rPr lang="en-US" dirty="0" err="1"/>
               <a:t>git</a:t>
             </a:r>
             <a:r>
-              <a:rPr lang="en-US" dirty="0" smtClean="0"/>
+              <a:rPr lang="en-US" dirty="0"/>
               <a:t> will not recognize and won’t ask you to stage them for committing</a:t>
             </a:r>
           </a:p>
           <a:p>
             <a:r>
-              <a:rPr lang="en-US" dirty="0" smtClean="0"/>
+              <a:rPr lang="en-US" dirty="0"/>
               <a:t>Almost all types of projects have a standard .</a:t>
             </a:r>
             <a:r>
-              <a:rPr lang="en-US" dirty="0" err="1" smtClean="0"/>
+              <a:rPr lang="en-US" dirty="0" err="1"/>
               <a:t>gitignore</a:t>
             </a:r>
             <a:r>
-              <a:rPr lang="en-US" dirty="0" smtClean="0"/>
+              <a:rPr lang="en-US" dirty="0"/>
               <a:t> template found on GitHub when making a </a:t>
             </a:r>
             <a:r>
-              <a:rPr lang="en-US" smtClean="0"/>
+              <a:rPr lang="en-US"/>
               <a:t>new project</a:t>
             </a:r>
             <a:endParaRPr lang="en-US" dirty="0"/>
@@ -5209,10 +5184,9 @@
           <a:lstStyle/>
           <a:p>
             <a:r>
-              <a:rPr lang="en-US" dirty="0" smtClean="0"/>
+              <a:rPr lang="en-US" dirty="0"/>
               <a:t>Recap</a:t>
             </a:r>
-            <a:endParaRPr lang="en-US" dirty="0"/>
           </a:p>
         </p:txBody>
       </p:sp>
@@ -5234,105 +5208,79 @@
           <a:lstStyle/>
           <a:p>
             <a:r>
-              <a:rPr lang="en-US" dirty="0" smtClean="0"/>
-              <a:t>Get Repository </a:t>
-            </a:r>
-            <a:r>
-              <a:rPr lang="en-US" dirty="0" smtClean="0"/>
-              <a:t>(</a:t>
-            </a:r>
-            <a:r>
-              <a:rPr lang="en-US" b="1" dirty="0" smtClean="0"/>
+              <a:rPr lang="en-US" dirty="0"/>
+              <a:t>Get Repository (</a:t>
+            </a:r>
+            <a:r>
+              <a:rPr lang="en-US" b="1" dirty="0"/>
               <a:t>Clone</a:t>
             </a:r>
             <a:r>
-              <a:rPr lang="en-US" dirty="0" smtClean="0"/>
+              <a:rPr lang="en-US" dirty="0"/>
               <a:t>)</a:t>
             </a:r>
             <a:r>
-              <a:rPr lang="en-US" b="1" dirty="0" smtClean="0"/>
+              <a:rPr lang="en-US" b="1" dirty="0"/>
               <a:t> </a:t>
             </a:r>
             <a:r>
-              <a:rPr lang="en-US" dirty="0" smtClean="0"/>
-              <a:t>or </a:t>
-            </a:r>
-            <a:r>
-              <a:rPr lang="en-US" dirty="0" smtClean="0"/>
-              <a:t>Sync </a:t>
-            </a:r>
-            <a:r>
-              <a:rPr lang="en-US" dirty="0" smtClean="0"/>
-              <a:t>it </a:t>
-            </a:r>
-            <a:r>
-              <a:rPr lang="en-US" b="1" dirty="0" smtClean="0"/>
+              <a:rPr lang="en-US" dirty="0"/>
+              <a:t>or Sync it </a:t>
+            </a:r>
+            <a:r>
+              <a:rPr lang="en-US" b="1" dirty="0"/>
               <a:t>(Fetch)</a:t>
             </a:r>
-            <a:endParaRPr lang="en-US" b="1" dirty="0" smtClean="0"/>
-          </a:p>
-          <a:p>
-            <a:r>
-              <a:rPr lang="en-US" dirty="0" smtClean="0"/>
+          </a:p>
+          <a:p>
+            <a:r>
+              <a:rPr lang="en-US" dirty="0"/>
               <a:t>Know which </a:t>
             </a:r>
             <a:r>
-              <a:rPr lang="en-US" b="1" dirty="0" smtClean="0"/>
+              <a:rPr lang="en-US" b="1" dirty="0"/>
               <a:t>Branch</a:t>
             </a:r>
             <a:r>
-              <a:rPr lang="en-US" dirty="0" smtClean="0"/>
+              <a:rPr lang="en-US" dirty="0"/>
               <a:t> you are in</a:t>
             </a:r>
           </a:p>
           <a:p>
             <a:r>
-              <a:rPr lang="en-US" dirty="0" smtClean="0"/>
-              <a:t>Make </a:t>
-            </a:r>
-            <a:r>
-              <a:rPr lang="en-US" dirty="0" smtClean="0"/>
-              <a:t>your changes</a:t>
-            </a:r>
-            <a:endParaRPr lang="en-US" dirty="0" smtClean="0"/>
-          </a:p>
-          <a:p>
-            <a:r>
-              <a:rPr lang="en-US" dirty="0" smtClean="0"/>
+              <a:rPr lang="en-US" dirty="0"/>
+              <a:t>Make your changes</a:t>
+            </a:r>
+          </a:p>
+          <a:p>
+            <a:r>
+              <a:rPr lang="en-US" dirty="0"/>
               <a:t>Set which changes you are </a:t>
             </a:r>
             <a:r>
-              <a:rPr lang="en-US" b="1" dirty="0" smtClean="0"/>
+              <a:rPr lang="en-US" b="1" dirty="0"/>
               <a:t>Staging</a:t>
             </a:r>
           </a:p>
           <a:p>
             <a:r>
-              <a:rPr lang="en-US" b="1" dirty="0" smtClean="0"/>
+              <a:rPr lang="en-US" b="1" dirty="0"/>
               <a:t>Commit </a:t>
             </a:r>
             <a:r>
-              <a:rPr lang="en-US" dirty="0" smtClean="0"/>
+              <a:rPr lang="en-US" dirty="0"/>
               <a:t>the changes</a:t>
             </a:r>
           </a:p>
           <a:p>
             <a:r>
-              <a:rPr lang="en-US" dirty="0" smtClean="0"/>
-              <a:t>When ready, Sync or send </a:t>
-            </a:r>
-            <a:r>
-              <a:rPr lang="en-US" dirty="0" smtClean="0"/>
-              <a:t>a Pull </a:t>
-            </a:r>
-            <a:r>
-              <a:rPr lang="en-US" dirty="0" smtClean="0"/>
-              <a:t>Request</a:t>
-            </a:r>
-          </a:p>
-          <a:p>
-            <a:r>
-              <a:rPr lang="en-US" dirty="0" smtClean="0"/>
+              <a:rPr lang="en-US" dirty="0"/>
+              <a:t>When ready, Sync or send a Pull Request</a:t>
+            </a:r>
+          </a:p>
+          <a:p>
+            <a:r>
+              <a:rPr lang="en-US" dirty="0"/>
               <a:t>Think how awesome it is you can now work on code projects with someone else, granted they probably didn’t comment it correctly, but that’s a different slide show I am not writing</a:t>
             </a:r>
           </a:p>
@@ -5387,10 +5335,9 @@
           <a:lstStyle/>
           <a:p>
             <a:r>
-              <a:rPr lang="en-US" dirty="0" smtClean="0"/>
+              <a:rPr lang="en-US" dirty="0"/>
               <a:t>Best Practice</a:t>
             </a:r>
-            <a:endParaRPr lang="en-US" dirty="0"/>
           </a:p>
         </p:txBody>
       </p:sp>
@@ -5410,7 +5357,7 @@
           <a:lstStyle/>
           <a:p>
             <a:r>
-              <a:rPr lang="en-US" dirty="0" smtClean="0"/>
+              <a:rPr lang="en-US" dirty="0"/>
               <a:t>These are the best two sites to practice with</a:t>
             </a:r>
           </a:p>
@@ -5420,15 +5367,9 @@
               <a:rPr lang="en-US" dirty="0">
                 <a:hlinkClick r:id="rId2"/>
               </a:rPr>
-              <a:t>https://</a:t>
-            </a:r>
-            <a:r>
-              <a:rPr lang="en-US" dirty="0" smtClean="0">
-                <a:hlinkClick r:id="rId2"/>
-              </a:rPr>
-              <a:t>try.github.io/levels/1/challenges/1</a:t>
-            </a:r>
-            <a:endParaRPr lang="en-US" dirty="0" smtClean="0"/>
+              <a:t>https://try.github.io/levels/1/challenges/1</a:t>
+            </a:r>
+            <a:endParaRPr lang="en-US" dirty="0"/>
           </a:p>
           <a:p>
             <a:pPr lvl="1"/>
@@ -5436,23 +5377,17 @@
               <a:rPr lang="en-US" dirty="0">
                 <a:hlinkClick r:id="rId3"/>
               </a:rPr>
-              <a:t>http://learngitbranching.js.org</a:t>
-            </a:r>
-            <a:r>
-              <a:rPr lang="en-US" dirty="0" smtClean="0">
-                <a:hlinkClick r:id="rId3"/>
-              </a:rPr>
-              <a:t>/</a:t>
-            </a:r>
-            <a:endParaRPr lang="en-US" dirty="0" smtClean="0"/>
+              <a:t>http://learngitbranching.js.org/</a:t>
+            </a:r>
+            <a:endParaRPr lang="en-US" dirty="0"/>
           </a:p>
           <a:p>
             <a:pPr lvl="1"/>
-            <a:endParaRPr lang="en-US" dirty="0" smtClean="0"/>
-          </a:p>
-          <a:p>
-            <a:r>
-              <a:rPr lang="en-US" smtClean="0"/>
+            <a:endParaRPr lang="en-US" dirty="0"/>
+          </a:p>
+          <a:p>
+            <a:r>
+              <a:rPr lang="en-US"/>
               <a:t>Here is a repo you can mess with</a:t>
             </a:r>
             <a:endParaRPr lang="en-US" dirty="0"/>
@@ -5465,15 +5400,9 @@
               <a:rPr lang="en-US" dirty="0">
                 <a:hlinkClick r:id="rId4"/>
               </a:rPr>
-              <a:t>https://</a:t>
-            </a:r>
-            <a:r>
-              <a:rPr lang="en-US" dirty="0" smtClean="0">
-                <a:hlinkClick r:id="rId4"/>
-              </a:rPr>
-              <a:t>github.com/sjfricke/IEEE_Practice_Git</a:t>
-            </a:r>
-            <a:endParaRPr lang="en-US" dirty="0" smtClean="0"/>
+              <a:t>https://github.com/sjfricke/IEEE_Practice_Git</a:t>
+            </a:r>
+            <a:endParaRPr lang="en-US" dirty="0"/>
           </a:p>
           <a:p>
             <a:pPr marL="457200" lvl="1" indent="0">
@@ -5529,11 +5458,11 @@
           <a:lstStyle/>
           <a:p>
             <a:r>
-              <a:rPr lang="en-US" dirty="0" smtClean="0"/>
+              <a:rPr lang="en-US" dirty="0"/>
               <a:t>Ways to use </a:t>
             </a:r>
             <a:r>
-              <a:rPr lang="en-US" dirty="0" err="1" smtClean="0"/>
+              <a:rPr lang="en-US" dirty="0" err="1"/>
               <a:t>Git</a:t>
             </a:r>
             <a:endParaRPr lang="en-US" dirty="0"/>
@@ -5561,96 +5490,96 @@
           <a:lstStyle/>
           <a:p>
             <a:r>
-              <a:rPr lang="en-US" sz="2800" dirty="0" smtClean="0"/>
+              <a:rPr lang="en-US" sz="2800" dirty="0"/>
               <a:t>There are pretty much two main ways to use </a:t>
             </a:r>
             <a:r>
-              <a:rPr lang="en-US" sz="2800" dirty="0" err="1" smtClean="0"/>
+              <a:rPr lang="en-US" sz="2800" dirty="0" err="1"/>
               <a:t>Git</a:t>
             </a:r>
-            <a:endParaRPr lang="en-US" sz="2800" dirty="0" smtClean="0"/>
+            <a:endParaRPr lang="en-US" sz="2800" dirty="0"/>
           </a:p>
           <a:p>
             <a:pPr lvl="1"/>
             <a:r>
-              <a:rPr lang="en-US" dirty="0" smtClean="0"/>
+              <a:rPr lang="en-US" dirty="0"/>
               <a:t>Command Lines</a:t>
             </a:r>
           </a:p>
           <a:p>
             <a:pPr lvl="2"/>
             <a:r>
-              <a:rPr lang="en-US" b="1" dirty="0" smtClean="0"/>
+              <a:rPr lang="en-US" b="1" dirty="0"/>
               <a:t>Pros</a:t>
             </a:r>
             <a:r>
-              <a:rPr lang="en-US" dirty="0" smtClean="0"/>
+              <a:rPr lang="en-US" dirty="0"/>
               <a:t>: You are really forced to understand </a:t>
             </a:r>
             <a:r>
-              <a:rPr lang="en-US" dirty="0" err="1" smtClean="0"/>
+              <a:rPr lang="en-US" dirty="0" err="1"/>
               <a:t>Git</a:t>
             </a:r>
-            <a:endParaRPr lang="en-US" dirty="0" smtClean="0"/>
+            <a:endParaRPr lang="en-US" dirty="0"/>
           </a:p>
           <a:p>
             <a:pPr lvl="2"/>
             <a:r>
-              <a:rPr lang="en-US" b="1" dirty="0" smtClean="0"/>
+              <a:rPr lang="en-US" b="1" dirty="0"/>
               <a:t>Cons</a:t>
             </a:r>
             <a:r>
-              <a:rPr lang="en-US" dirty="0" smtClean="0"/>
+              <a:rPr lang="en-US" dirty="0"/>
               <a:t>: You are really forced to understand </a:t>
             </a:r>
             <a:r>
-              <a:rPr lang="en-US" dirty="0" err="1" smtClean="0"/>
+              <a:rPr lang="en-US" dirty="0" err="1"/>
               <a:t>Git</a:t>
             </a:r>
-            <a:endParaRPr lang="en-US" dirty="0" smtClean="0"/>
+            <a:endParaRPr lang="en-US" dirty="0"/>
           </a:p>
           <a:p>
             <a:pPr lvl="1"/>
             <a:r>
-              <a:rPr lang="en-US" dirty="0" smtClean="0"/>
+              <a:rPr lang="en-US" dirty="0"/>
               <a:t>GUI Tools (GitHub Desktop, </a:t>
             </a:r>
             <a:r>
-              <a:rPr lang="en-US" dirty="0" err="1" smtClean="0"/>
+              <a:rPr lang="en-US" dirty="0" err="1"/>
               <a:t>Git</a:t>
             </a:r>
             <a:r>
-              <a:rPr lang="en-US" dirty="0" smtClean="0"/>
+              <a:rPr lang="en-US" dirty="0"/>
               <a:t> Extensions, </a:t>
             </a:r>
             <a:r>
-              <a:rPr lang="en-US" dirty="0" err="1" smtClean="0"/>
+              <a:rPr lang="en-US" dirty="0" err="1"/>
               <a:t>etc</a:t>
             </a:r>
             <a:r>
-              <a:rPr lang="en-US" dirty="0" smtClean="0"/>
+              <a:rPr lang="en-US" dirty="0"/>
               <a:t>)</a:t>
             </a:r>
           </a:p>
           <a:p>
             <a:pPr lvl="2"/>
             <a:r>
-              <a:rPr lang="en-US" b="1" dirty="0" smtClean="0"/>
+              <a:rPr lang="en-US" b="1" dirty="0"/>
               <a:t>Pros</a:t>
             </a:r>
             <a:r>
-              <a:rPr lang="en-US" dirty="0" smtClean="0"/>
+              <a:rPr lang="en-US" dirty="0"/>
               <a:t>: Way easier to use and manage code</a:t>
             </a:r>
           </a:p>
           <a:p>
             <a:pPr lvl="2"/>
             <a:r>
-              <a:rPr lang="en-US" b="1" dirty="0" smtClean="0"/>
+              <a:rPr lang="en-US" b="1" dirty="0"/>
               <a:t>Cons</a:t>
             </a:r>
             <a:r>
-              <a:rPr lang="en-US" dirty="0" smtClean="0"/>
+              <a:rPr lang="en-US" dirty="0"/>
               <a:t>: This is how you look to some people</a:t>
             </a:r>
           </a:p>
@@ -5766,22 +5695,21 @@
           <a:lstStyle/>
           <a:p>
             <a:r>
-              <a:rPr lang="en-US" dirty="0" err="1" smtClean="0"/>
+              <a:rPr lang="en-US" dirty="0" err="1"/>
               <a:t>Gotta</a:t>
             </a:r>
             <a:r>
-              <a:rPr lang="en-US" dirty="0" smtClean="0"/>
+              <a:rPr lang="en-US" dirty="0"/>
               <a:t> Get </a:t>
             </a:r>
             <a:r>
-              <a:rPr lang="en-US" dirty="0" err="1" smtClean="0"/>
+              <a:rPr lang="en-US" dirty="0" err="1"/>
               <a:t>Git</a:t>
             </a:r>
             <a:r>
-              <a:rPr lang="en-US" dirty="0" smtClean="0"/>
+              <a:rPr lang="en-US" dirty="0"/>
               <a:t>  </a:t>
             </a:r>
-            <a:endParaRPr lang="en-US" dirty="0"/>
           </a:p>
         </p:txBody>
       </p:sp>
@@ -5801,46 +5729,46 @@
           <a:lstStyle/>
           <a:p>
             <a:r>
-              <a:rPr lang="en-US" dirty="0" smtClean="0"/>
+              <a:rPr lang="en-US" dirty="0"/>
               <a:t>Command Line</a:t>
             </a:r>
           </a:p>
           <a:p>
             <a:pPr lvl="1"/>
             <a:r>
-              <a:rPr lang="en-US" dirty="0" smtClean="0">
+              <a:rPr lang="en-US" dirty="0">
                 <a:hlinkClick r:id="rId2"/>
               </a:rPr>
               <a:t>https://git-scm.com/downloads</a:t>
             </a:r>
-            <a:endParaRPr lang="en-US" dirty="0" smtClean="0"/>
+            <a:endParaRPr lang="en-US" dirty="0"/>
           </a:p>
           <a:p>
             <a:pPr lvl="2"/>
             <a:r>
-              <a:rPr lang="en-US" dirty="0" err="1" smtClean="0"/>
+              <a:rPr lang="en-US" dirty="0" err="1"/>
               <a:t>Git</a:t>
             </a:r>
             <a:r>
-              <a:rPr lang="en-US" dirty="0" smtClean="0"/>
+              <a:rPr lang="en-US" dirty="0"/>
               <a:t> Bash is just a Windows side application that opens a command prompt with </a:t>
             </a:r>
             <a:r>
-              <a:rPr lang="en-US" dirty="0" err="1" smtClean="0"/>
+              <a:rPr lang="en-US" dirty="0" err="1"/>
               <a:t>Git</a:t>
             </a:r>
-            <a:endParaRPr lang="en-US" dirty="0" smtClean="0"/>
-          </a:p>
-          <a:p>
-            <a:r>
-              <a:rPr lang="en-US" dirty="0" smtClean="0"/>
+            <a:endParaRPr lang="en-US" dirty="0"/>
+          </a:p>
+          <a:p>
+            <a:r>
+              <a:rPr lang="en-US" dirty="0"/>
               <a:t>GitHub Desktop GUI (what I recommend) </a:t>
             </a:r>
           </a:p>
           <a:p>
             <a:pPr lvl="1"/>
             <a:r>
-              <a:rPr lang="en-US" dirty="0" smtClean="0"/>
+              <a:rPr lang="en-US" dirty="0"/>
               <a:t>https://desktop.github.com/</a:t>
             </a:r>
           </a:p>
@@ -5892,14 +5820,13 @@
           <a:lstStyle/>
           <a:p>
             <a:r>
-              <a:rPr lang="en-US" dirty="0" err="1" smtClean="0"/>
+              <a:rPr lang="en-US" dirty="0" err="1"/>
               <a:t>Git</a:t>
             </a:r>
             <a:r>
-              <a:rPr lang="en-US" dirty="0" smtClean="0"/>
+              <a:rPr lang="en-US" dirty="0"/>
               <a:t> 101- What happens to code</a:t>
             </a:r>
-            <a:endParaRPr lang="en-US" dirty="0"/>
           </a:p>
         </p:txBody>
       </p:sp>
@@ -5919,24 +5846,23 @@
           <a:lstStyle/>
           <a:p>
             <a:r>
-              <a:rPr lang="en-US" sz="2800" dirty="0" smtClean="0"/>
+              <a:rPr lang="en-US" sz="2800" dirty="0"/>
               <a:t>Repository (the code) is saved on local computer</a:t>
             </a:r>
           </a:p>
           <a:p>
             <a:r>
-              <a:rPr lang="en-US" dirty="0" smtClean="0"/>
+              <a:rPr lang="en-US" dirty="0"/>
               <a:t>Repositories can then be </a:t>
             </a:r>
             <a:r>
-              <a:rPr lang="en-US" b="1" dirty="0" smtClean="0"/>
+              <a:rPr lang="en-US" b="1" dirty="0"/>
               <a:t>Pushed</a:t>
             </a:r>
             <a:r>
-              <a:rPr lang="en-US" dirty="0" smtClean="0"/>
-              <a:t> to a remote server where other people can push too also</a:t>
-            </a:r>
-            <a:endParaRPr lang="en-US" dirty="0"/>
+              <a:rPr lang="en-US" dirty="0"/>
+              <a:t> to a remote server where other people can push too</a:t>
+            </a:r>
           </a:p>
         </p:txBody>
       </p:sp>
@@ -6052,21 +5978,20 @@
           <a:lstStyle/>
           <a:p>
             <a:r>
-              <a:rPr lang="en-US" dirty="0" err="1" smtClean="0"/>
+              <a:rPr lang="en-US" dirty="0" err="1"/>
               <a:t>Git</a:t>
             </a:r>
             <a:r>
-              <a:rPr lang="en-US" dirty="0" smtClean="0"/>
+              <a:rPr lang="en-US" dirty="0"/>
               <a:t> 101 – It Remembers</a:t>
             </a:r>
             <a:br>
-              <a:rPr lang="en-US" dirty="0" smtClean="0"/>
+              <a:rPr lang="en-US" dirty="0"/>
             </a:br>
             <a:r>
-              <a:rPr lang="en-US" dirty="0" smtClean="0"/>
+              <a:rPr lang="en-US" dirty="0"/>
               <a:t>…so you don’t have too</a:t>
             </a:r>
-            <a:endParaRPr lang="en-US" dirty="0"/>
           </a:p>
         </p:txBody>
       </p:sp>
@@ -6086,65 +6011,64 @@
           <a:lstStyle/>
           <a:p>
             <a:r>
-              <a:rPr lang="en-US" sz="2400" dirty="0" smtClean="0"/>
+              <a:rPr lang="en-US" sz="2400" dirty="0"/>
               <a:t>“I’ll just save the code to a flash drive and give it to you” </a:t>
             </a:r>
           </a:p>
           <a:p>
             <a:pPr lvl="1"/>
             <a:r>
-              <a:rPr lang="en-US" dirty="0" smtClean="0"/>
+              <a:rPr lang="en-US" dirty="0"/>
               <a:t>If you say this again instead of using </a:t>
             </a:r>
             <a:r>
-              <a:rPr lang="en-US" dirty="0" err="1" smtClean="0"/>
+              <a:rPr lang="en-US" dirty="0" err="1"/>
               <a:t>Git</a:t>
             </a:r>
             <a:r>
-              <a:rPr lang="en-US" dirty="0" smtClean="0"/>
+              <a:rPr lang="en-US" dirty="0"/>
               <a:t> you will wake up as a Political Science Major</a:t>
             </a:r>
           </a:p>
           <a:p>
             <a:r>
-              <a:rPr lang="en-US" dirty="0" err="1" smtClean="0"/>
+              <a:rPr lang="en-US" dirty="0" err="1"/>
               <a:t>Git</a:t>
             </a:r>
             <a:r>
-              <a:rPr lang="en-US" dirty="0" smtClean="0"/>
+              <a:rPr lang="en-US" dirty="0"/>
               <a:t> saves all past </a:t>
             </a:r>
             <a:r>
-              <a:rPr lang="en-US" b="1" dirty="0" smtClean="0"/>
+              <a:rPr lang="en-US" b="1" dirty="0"/>
               <a:t>Committed </a:t>
             </a:r>
             <a:r>
-              <a:rPr lang="en-US" dirty="0" smtClean="0"/>
+              <a:rPr lang="en-US" dirty="0"/>
               <a:t>saves in a .</a:t>
             </a:r>
             <a:r>
-              <a:rPr lang="en-US" dirty="0" err="1" smtClean="0"/>
+              <a:rPr lang="en-US" dirty="0" err="1"/>
               <a:t>git</a:t>
             </a:r>
             <a:r>
-              <a:rPr lang="en-US" dirty="0" smtClean="0"/>
-              <a:t> folder in the repository</a:t>
-            </a:r>
-          </a:p>
-          <a:p>
-            <a:r>
-              <a:rPr lang="en-US" dirty="0" smtClean="0"/>
+              <a:rPr lang="en-US" dirty="0"/>
+              <a:t> file in the repository</a:t>
+            </a:r>
+          </a:p>
+          <a:p>
+            <a:r>
+              <a:rPr lang="en-US" dirty="0"/>
               <a:t>New people can go back to ANY old </a:t>
             </a:r>
             <a:r>
-              <a:rPr lang="en-US" b="1" dirty="0" smtClean="0"/>
+              <a:rPr lang="en-US" b="1" dirty="0"/>
               <a:t>Commit</a:t>
             </a:r>
             <a:r>
-              <a:rPr lang="en-US" dirty="0" smtClean="0"/>
+              <a:rPr lang="en-US" dirty="0"/>
               <a:t> made during life of repository</a:t>
             </a:r>
-            <a:endParaRPr lang="en-US" dirty="0"/>
           </a:p>
         </p:txBody>
       </p:sp>
@@ -6196,14 +6120,13 @@
           <a:lstStyle/>
           <a:p>
             <a:r>
-              <a:rPr lang="en-US" dirty="0" err="1" smtClean="0"/>
+              <a:rPr lang="en-US" dirty="0" err="1"/>
               <a:t>Git</a:t>
             </a:r>
             <a:r>
-              <a:rPr lang="en-US" dirty="0" smtClean="0"/>
+              <a:rPr lang="en-US" dirty="0"/>
               <a:t> 101 – Workflow</a:t>
             </a:r>
-            <a:endParaRPr lang="en-US" dirty="0"/>
           </a:p>
         </p:txBody>
       </p:sp>
@@ -6225,83 +6148,74 @@
           <a:lstStyle/>
           <a:p>
             <a:r>
-              <a:rPr lang="en-US" dirty="0" smtClean="0"/>
+              <a:rPr lang="en-US" dirty="0"/>
               <a:t>Obtain a repository</a:t>
             </a:r>
           </a:p>
           <a:p>
             <a:pPr lvl="1"/>
             <a:r>
-              <a:rPr lang="en-US" dirty="0" smtClean="0"/>
+              <a:rPr lang="en-US" dirty="0"/>
               <a:t>If you have the repository already, </a:t>
             </a:r>
             <a:r>
-              <a:rPr lang="en-US" b="1" dirty="0" smtClean="0"/>
+              <a:rPr lang="en-US" b="1" dirty="0"/>
               <a:t>Fetch</a:t>
             </a:r>
             <a:r>
-              <a:rPr lang="en-US" dirty="0" smtClean="0"/>
-              <a:t> </a:t>
-            </a:r>
-            <a:r>
-              <a:rPr lang="en-US" dirty="0" smtClean="0"/>
-              <a:t>the latest version to sync up with it</a:t>
-            </a:r>
-          </a:p>
-          <a:p>
-            <a:r>
-              <a:rPr lang="en-US" dirty="0" smtClean="0"/>
+              <a:rPr lang="en-US" dirty="0"/>
+              <a:t> the latest version to sync up with it</a:t>
+            </a:r>
+          </a:p>
+          <a:p>
+            <a:r>
+              <a:rPr lang="en-US" dirty="0"/>
               <a:t>Make your edits</a:t>
             </a:r>
           </a:p>
           <a:p>
             <a:r>
-              <a:rPr lang="en-US" b="1" dirty="0" smtClean="0"/>
+              <a:rPr lang="en-US" b="1" dirty="0"/>
               <a:t>Stage</a:t>
             </a:r>
             <a:r>
-              <a:rPr lang="en-US" dirty="0" smtClean="0"/>
+              <a:rPr lang="en-US" dirty="0"/>
               <a:t> your changes</a:t>
             </a:r>
           </a:p>
           <a:p>
             <a:r>
-              <a:rPr lang="en-US" b="1" dirty="0" smtClean="0"/>
+              <a:rPr lang="en-US" b="1" dirty="0"/>
               <a:t>Commit</a:t>
             </a:r>
             <a:r>
-              <a:rPr lang="en-US" dirty="0" smtClean="0"/>
+              <a:rPr lang="en-US" dirty="0"/>
               <a:t> your work</a:t>
             </a:r>
           </a:p>
           <a:p>
             <a:r>
-              <a:rPr lang="en-US" b="1" dirty="0" smtClean="0"/>
+              <a:rPr lang="en-US" b="1" dirty="0"/>
               <a:t>Push</a:t>
             </a:r>
             <a:r>
-              <a:rPr lang="en-US" dirty="0" smtClean="0"/>
+              <a:rPr lang="en-US" dirty="0"/>
               <a:t> to remote location so combine</a:t>
             </a:r>
           </a:p>
           <a:p>
             <a:r>
-              <a:rPr lang="en-US" dirty="0" smtClean="0"/>
-              <a:t>Wait for other people to pull their weight and add code to the </a:t>
-            </a:r>
-            <a:r>
-              <a:rPr lang="en-US" dirty="0" smtClean="0"/>
-              <a:t>repo, then </a:t>
-            </a:r>
-            <a:r>
-              <a:rPr lang="en-US" b="1" dirty="0" smtClean="0"/>
+              <a:rPr lang="en-US" dirty="0"/>
+              <a:t>Wait for other people to pull their weight and add code to the repo, then </a:t>
+            </a:r>
+            <a:r>
+              <a:rPr lang="en-US" b="1" dirty="0"/>
               <a:t>Pull</a:t>
             </a:r>
             <a:r>
-              <a:rPr lang="en-US" dirty="0" smtClean="0"/>
+              <a:rPr lang="en-US" dirty="0"/>
               <a:t> it</a:t>
             </a:r>
-            <a:endParaRPr lang="en-US" dirty="0"/>
           </a:p>
         </p:txBody>
       </p:sp>
@@ -6351,14 +6265,13 @@
           <a:lstStyle/>
           <a:p>
             <a:r>
-              <a:rPr lang="en-US" dirty="0" err="1" smtClean="0"/>
+              <a:rPr lang="en-US" dirty="0" err="1"/>
               <a:t>Git</a:t>
             </a:r>
             <a:r>
-              <a:rPr lang="en-US" dirty="0" smtClean="0"/>
+              <a:rPr lang="en-US" dirty="0"/>
               <a:t> 101 - Branches</a:t>
             </a:r>
-            <a:endParaRPr lang="en-US" dirty="0"/>
           </a:p>
         </p:txBody>
       </p:sp>
@@ -6380,32 +6293,31 @@
           <a:lstStyle/>
           <a:p>
             <a:r>
-              <a:rPr lang="en-US" sz="2800" dirty="0" smtClean="0"/>
+              <a:rPr lang="en-US" sz="2800" dirty="0"/>
               <a:t>Branches let you work on the code in your own crazy direction and </a:t>
             </a:r>
             <a:r>
-              <a:rPr lang="en-US" sz="2800" b="1" dirty="0" smtClean="0"/>
+              <a:rPr lang="en-US" sz="2800" b="1" dirty="0"/>
               <a:t>Merge</a:t>
             </a:r>
             <a:r>
-              <a:rPr lang="en-US" sz="2800" dirty="0" smtClean="0"/>
+              <a:rPr lang="en-US" sz="2800" dirty="0"/>
               <a:t> it back later</a:t>
             </a:r>
           </a:p>
           <a:p>
             <a:r>
-              <a:rPr lang="en-US" sz="2800" dirty="0" smtClean="0"/>
+              <a:rPr lang="en-US" sz="2800" dirty="0"/>
               <a:t>Example: Make a “New-Feature” branch and when it is ready, </a:t>
             </a:r>
             <a:r>
-              <a:rPr lang="en-US" sz="2800" b="1" dirty="0" smtClean="0"/>
+              <a:rPr lang="en-US" sz="2800" b="1" dirty="0"/>
               <a:t>Merge</a:t>
             </a:r>
             <a:r>
-              <a:rPr lang="en-US" sz="2800" dirty="0" smtClean="0"/>
+              <a:rPr lang="en-US" sz="2800" dirty="0"/>
               <a:t> back to the Master Branch</a:t>
             </a:r>
-            <a:endParaRPr lang="en-US" sz="2800" dirty="0"/>
           </a:p>
         </p:txBody>
       </p:sp>
@@ -6496,14 +6408,13 @@
           <a:lstStyle/>
           <a:p>
             <a:r>
-              <a:rPr lang="en-US" dirty="0" err="1" smtClean="0"/>
+              <a:rPr lang="en-US" dirty="0" err="1"/>
               <a:t>Git</a:t>
             </a:r>
             <a:r>
-              <a:rPr lang="en-US" dirty="0" smtClean="0"/>
+              <a:rPr lang="en-US" dirty="0"/>
               <a:t> 101 – The “Magic Moment”</a:t>
             </a:r>
-            <a:endParaRPr lang="en-US" dirty="0"/>
           </a:p>
         </p:txBody>
       </p:sp>
@@ -6525,73 +6436,68 @@
           <a:lstStyle/>
           <a:p>
             <a:r>
-              <a:rPr lang="en-US" dirty="0" smtClean="0"/>
+              <a:rPr lang="en-US" dirty="0"/>
               <a:t>“Wait, it updated the folder for me!?!?”</a:t>
             </a:r>
           </a:p>
           <a:p>
             <a:pPr lvl="1"/>
             <a:r>
-              <a:rPr lang="en-US" dirty="0" smtClean="0"/>
+              <a:rPr lang="en-US" dirty="0"/>
               <a:t>You will say this at least once</a:t>
             </a:r>
           </a:p>
           <a:p>
             <a:r>
-              <a:rPr lang="en-US" dirty="0" smtClean="0"/>
+              <a:rPr lang="en-US" dirty="0"/>
               <a:t>The “Magical” part of using Git is whenever you </a:t>
             </a:r>
             <a:r>
-              <a:rPr lang="en-US" b="1" dirty="0" smtClean="0"/>
+              <a:rPr lang="en-US" b="1" dirty="0"/>
               <a:t>Pull</a:t>
             </a:r>
             <a:r>
-              <a:rPr lang="en-US" dirty="0" smtClean="0"/>
+              <a:rPr lang="en-US" dirty="0"/>
               <a:t> from the latest commits, change </a:t>
             </a:r>
             <a:r>
-              <a:rPr lang="en-US" b="1" dirty="0" smtClean="0"/>
+              <a:rPr lang="en-US" b="1" dirty="0"/>
               <a:t>Branches</a:t>
             </a:r>
             <a:r>
-              <a:rPr lang="en-US" dirty="0" smtClean="0"/>
+              <a:rPr lang="en-US" dirty="0"/>
               <a:t>, or </a:t>
             </a:r>
             <a:r>
-              <a:rPr lang="en-US" b="1" dirty="0" smtClean="0"/>
+              <a:rPr lang="en-US" b="1" dirty="0"/>
               <a:t>Revert</a:t>
             </a:r>
             <a:r>
-              <a:rPr lang="en-US" dirty="0" smtClean="0"/>
-              <a:t> </a:t>
-            </a:r>
-            <a:r>
-              <a:rPr lang="en-US" dirty="0" smtClean="0"/>
-              <a:t>to an old </a:t>
-            </a:r>
-            <a:r>
-              <a:rPr lang="en-US" b="1" dirty="0" smtClean="0"/>
+              <a:rPr lang="en-US" dirty="0"/>
+              <a:t> to an old </a:t>
+            </a:r>
+            <a:r>
+              <a:rPr lang="en-US" b="1" dirty="0"/>
               <a:t>Commit</a:t>
             </a:r>
             <a:r>
-              <a:rPr lang="en-US" dirty="0" smtClean="0"/>
+              <a:rPr lang="en-US" dirty="0"/>
               <a:t> in the Repo the folders on your local machines will reflect the changes</a:t>
             </a:r>
           </a:p>
           <a:p>
             <a:r>
-              <a:rPr lang="en-US" dirty="0" smtClean="0"/>
+              <a:rPr lang="en-US" dirty="0"/>
               <a:t>If you had a file called “</a:t>
             </a:r>
             <a:r>
-              <a:rPr lang="en-US" dirty="0" err="1" smtClean="0"/>
+              <a:rPr lang="en-US" dirty="0" err="1"/>
               <a:t>Hello.c</a:t>
             </a:r>
             <a:r>
-              <a:rPr lang="en-US" dirty="0" smtClean="0"/>
+              <a:rPr lang="en-US" dirty="0"/>
               <a:t>” deleted a few commits ago and you go back the file will be back in your folder on your machine…Magic!</a:t>
             </a:r>
-            <a:endParaRPr lang="en-US" dirty="0"/>
           </a:p>
         </p:txBody>
       </p:sp>
